--- a/PPTs/Programacion y Laboratorio II-201908.pptx
+++ b/PPTs/Programacion y Laboratorio II-201908.pptx
@@ -5,18 +5,20 @@
     <p:sldMasterId id="2147483648" r:id="rId1"/>
   </p:sldMasterIdLst>
   <p:notesMasterIdLst>
-    <p:notesMasterId r:id="rId11"/>
+    <p:notesMasterId r:id="rId13"/>
   </p:notesMasterIdLst>
   <p:sldIdLst>
     <p:sldId id="256" r:id="rId2"/>
     <p:sldId id="263" r:id="rId3"/>
     <p:sldId id="264" r:id="rId4"/>
     <p:sldId id="257" r:id="rId5"/>
-    <p:sldId id="262" r:id="rId6"/>
-    <p:sldId id="258" r:id="rId7"/>
-    <p:sldId id="259" r:id="rId8"/>
-    <p:sldId id="260" r:id="rId9"/>
-    <p:sldId id="261" r:id="rId10"/>
+    <p:sldId id="265" r:id="rId6"/>
+    <p:sldId id="266" r:id="rId7"/>
+    <p:sldId id="262" r:id="rId8"/>
+    <p:sldId id="258" r:id="rId9"/>
+    <p:sldId id="259" r:id="rId10"/>
+    <p:sldId id="260" r:id="rId11"/>
+    <p:sldId id="261" r:id="rId12"/>
   </p:sldIdLst>
   <p:sldSz cx="12192000" cy="6858000"/>
   <p:notesSz cx="6858000" cy="9144000"/>
@@ -605,7 +607,7 @@
           <a:bodyPr/>
           <a:lstStyle/>
           <a:p>
-            <a:endParaRPr lang="es-AR" dirty="0"/>
+            <a:endParaRPr lang="en-US" dirty="0"/>
           </a:p>
         </p:txBody>
       </p:sp>
@@ -626,7 +628,7 @@
           <a:p>
             <a:fld id="{4E0ADE5F-4420-48D4-8147-C3A8E3B2A19B}" type="slidenum">
               <a:rPr lang="es-AR" smtClean="0"/>
-              <a:t>6</a:t>
+              <a:t>5</a:t>
             </a:fld>
             <a:endParaRPr lang="es-AR"/>
           </a:p>
@@ -635,7 +637,7 @@
     </p:spTree>
     <p:extLst>
       <p:ext uri="{BB962C8B-B14F-4D97-AF65-F5344CB8AC3E}">
-        <p14:creationId xmlns:p14="http://schemas.microsoft.com/office/powerpoint/2010/main" val="2323629129"/>
+        <p14:creationId xmlns:p14="http://schemas.microsoft.com/office/powerpoint/2010/main" val="912801507"/>
       </p:ext>
     </p:extLst>
   </p:cSld>
@@ -689,52 +691,6 @@
           <a:bodyPr/>
           <a:lstStyle/>
           <a:p>
-            <a:r>
-              <a:rPr lang="es-AR" dirty="0" smtClean="0"/>
-              <a:t>Bordo – Curso Ingreso</a:t>
-            </a:r>
-          </a:p>
-          <a:p>
-            <a:r>
-              <a:rPr lang="es-AR" dirty="0" smtClean="0"/>
-              <a:t>Naranja</a:t>
-            </a:r>
-            <a:r>
-              <a:rPr lang="es-AR" baseline="0" dirty="0" smtClean="0"/>
-              <a:t> – Fin Primer Cuatrimestre</a:t>
-            </a:r>
-          </a:p>
-          <a:p>
-            <a:r>
-              <a:rPr lang="es-AR" baseline="0" dirty="0" smtClean="0"/>
-              <a:t>Rojo – Feriado</a:t>
-            </a:r>
-          </a:p>
-          <a:p>
-            <a:r>
-              <a:rPr lang="es-AR" baseline="0" dirty="0" smtClean="0"/>
-              <a:t>Violeta – Finales</a:t>
-            </a:r>
-          </a:p>
-          <a:p>
-            <a:r>
-              <a:rPr lang="es-AR" baseline="0" dirty="0" smtClean="0"/>
-              <a:t>Verde – Inicio inscripción materias</a:t>
-            </a:r>
-          </a:p>
-          <a:p>
-            <a:r>
-              <a:rPr lang="es-AR" baseline="0" dirty="0" smtClean="0"/>
-              <a:t>Fucsia – </a:t>
-            </a:r>
-            <a:r>
-              <a:rPr lang="es-AR" baseline="0" dirty="0" err="1" smtClean="0"/>
-              <a:t>Exámen</a:t>
-            </a:r>
-            <a:r>
-              <a:rPr lang="es-AR" baseline="0" dirty="0" smtClean="0"/>
-              <a:t> ingreso</a:t>
-            </a:r>
             <a:endParaRPr lang="es-AR" dirty="0"/>
           </a:p>
         </p:txBody>
@@ -756,7 +712,7 @@
           <a:p>
             <a:fld id="{4E0ADE5F-4420-48D4-8147-C3A8E3B2A19B}" type="slidenum">
               <a:rPr lang="es-AR" smtClean="0"/>
-              <a:t>7</a:t>
+              <a:t>8</a:t>
             </a:fld>
             <a:endParaRPr lang="es-AR"/>
           </a:p>
@@ -765,7 +721,7 @@
     </p:spTree>
     <p:extLst>
       <p:ext uri="{BB962C8B-B14F-4D97-AF65-F5344CB8AC3E}">
-        <p14:creationId xmlns:p14="http://schemas.microsoft.com/office/powerpoint/2010/main" val="46679771"/>
+        <p14:creationId xmlns:p14="http://schemas.microsoft.com/office/powerpoint/2010/main" val="2323629129"/>
       </p:ext>
     </p:extLst>
   </p:cSld>
@@ -821,41 +777,49 @@
           <a:p>
             <a:r>
               <a:rPr lang="es-AR" dirty="0" smtClean="0"/>
-              <a:t>Los días y</a:t>
+              <a:t>Bordo – Curso Ingreso</a:t>
+            </a:r>
+          </a:p>
+          <a:p>
+            <a:r>
+              <a:rPr lang="es-AR" dirty="0" smtClean="0"/>
+              <a:t>Naranja</a:t>
             </a:r>
             <a:r>
               <a:rPr lang="es-AR" baseline="0" dirty="0" smtClean="0"/>
-              <a:t> horarios son estrictos.</a:t>
-            </a:r>
-          </a:p>
-          <a:p>
-            <a:r>
-              <a:rPr lang="es-AR" dirty="0" smtClean="0"/>
-              <a:t>El TP1 es el definitivo, los demás están en revisión.</a:t>
-            </a:r>
-          </a:p>
-          <a:p>
-            <a:r>
-              <a:rPr lang="es-AR" dirty="0" smtClean="0"/>
-              <a:t>Ir</a:t>
-            </a:r>
+              <a:t> – Fin Primer Cuatrimestre</a:t>
+            </a:r>
+          </a:p>
+          <a:p>
             <a:r>
               <a:rPr lang="es-AR" baseline="0" dirty="0" smtClean="0"/>
-              <a:t> adelantando, no dejar todo para último momento</a:t>
+              <a:t>Rojo – Feriado</a:t>
             </a:r>
           </a:p>
           <a:p>
             <a:r>
               <a:rPr lang="es-AR" baseline="0" dirty="0" smtClean="0"/>
-              <a:t>Chequear “</a:t>
-            </a:r>
-            <a:r>
-              <a:rPr lang="es-AR" dirty="0" smtClean="0"/>
-              <a:t>¿Cómo entregar los trabajos prácticos?” en</a:t>
-            </a:r>
+              <a:t>Violeta – Finales</a:t>
+            </a:r>
+          </a:p>
+          <a:p>
             <a:r>
               <a:rPr lang="es-AR" baseline="0" dirty="0" smtClean="0"/>
-              <a:t> el Campus</a:t>
+              <a:t>Verde – Inicio inscripción materias</a:t>
+            </a:r>
+          </a:p>
+          <a:p>
+            <a:r>
+              <a:rPr lang="es-AR" baseline="0" dirty="0" smtClean="0"/>
+              <a:t>Fucsia – </a:t>
+            </a:r>
+            <a:r>
+              <a:rPr lang="es-AR" baseline="0" dirty="0" err="1" smtClean="0"/>
+              <a:t>Exámen</a:t>
+            </a:r>
+            <a:r>
+              <a:rPr lang="es-AR" baseline="0" dirty="0" smtClean="0"/>
+              <a:t> ingreso</a:t>
             </a:r>
             <a:endParaRPr lang="es-AR" dirty="0"/>
           </a:p>
@@ -878,7 +842,7 @@
           <a:p>
             <a:fld id="{4E0ADE5F-4420-48D4-8147-C3A8E3B2A19B}" type="slidenum">
               <a:rPr lang="es-AR" smtClean="0"/>
-              <a:t>8</a:t>
+              <a:t>9</a:t>
             </a:fld>
             <a:endParaRPr lang="es-AR"/>
           </a:p>
@@ -887,7 +851,7 @@
     </p:spTree>
     <p:extLst>
       <p:ext uri="{BB962C8B-B14F-4D97-AF65-F5344CB8AC3E}">
-        <p14:creationId xmlns:p14="http://schemas.microsoft.com/office/powerpoint/2010/main" val="2647342692"/>
+        <p14:creationId xmlns:p14="http://schemas.microsoft.com/office/powerpoint/2010/main" val="46679771"/>
       </p:ext>
     </p:extLst>
   </p:cSld>
@@ -941,6 +905,44 @@
           <a:bodyPr/>
           <a:lstStyle/>
           <a:p>
+            <a:r>
+              <a:rPr lang="es-AR" dirty="0" smtClean="0"/>
+              <a:t>Los días y</a:t>
+            </a:r>
+            <a:r>
+              <a:rPr lang="es-AR" baseline="0" dirty="0" smtClean="0"/>
+              <a:t> horarios son estrictos.</a:t>
+            </a:r>
+          </a:p>
+          <a:p>
+            <a:r>
+              <a:rPr lang="es-AR" dirty="0" smtClean="0"/>
+              <a:t>El TP1 es el definitivo, los demás están en revisión.</a:t>
+            </a:r>
+          </a:p>
+          <a:p>
+            <a:r>
+              <a:rPr lang="es-AR" dirty="0" smtClean="0"/>
+              <a:t>Ir</a:t>
+            </a:r>
+            <a:r>
+              <a:rPr lang="es-AR" baseline="0" dirty="0" smtClean="0"/>
+              <a:t> adelantando, no dejar todo para último momento</a:t>
+            </a:r>
+          </a:p>
+          <a:p>
+            <a:r>
+              <a:rPr lang="es-AR" baseline="0" dirty="0" smtClean="0"/>
+              <a:t>Chequear “</a:t>
+            </a:r>
+            <a:r>
+              <a:rPr lang="es-AR" dirty="0" smtClean="0"/>
+              <a:t>¿Cómo entregar los trabajos prácticos?” en</a:t>
+            </a:r>
+            <a:r>
+              <a:rPr lang="es-AR" baseline="0" dirty="0" smtClean="0"/>
+              <a:t> el Campus</a:t>
+            </a:r>
             <a:endParaRPr lang="es-AR" dirty="0"/>
           </a:p>
         </p:txBody>
@@ -962,7 +964,91 @@
           <a:p>
             <a:fld id="{4E0ADE5F-4420-48D4-8147-C3A8E3B2A19B}" type="slidenum">
               <a:rPr lang="es-AR" smtClean="0"/>
-              <a:t>9</a:t>
+              <a:t>10</a:t>
+            </a:fld>
+            <a:endParaRPr lang="es-AR"/>
+          </a:p>
+        </p:txBody>
+      </p:sp>
+    </p:spTree>
+    <p:extLst>
+      <p:ext uri="{BB962C8B-B14F-4D97-AF65-F5344CB8AC3E}">
+        <p14:creationId xmlns:p14="http://schemas.microsoft.com/office/powerpoint/2010/main" val="2647342692"/>
+      </p:ext>
+    </p:extLst>
+  </p:cSld>
+  <p:clrMapOvr>
+    <a:masterClrMapping/>
+  </p:clrMapOvr>
+</p:notes>
+</file>
+
+<file path=ppt/notesSlides/notesSlide6.xml><?xml version="1.0" encoding="utf-8"?>
+<p:notes xmlns:a="http://schemas.openxmlformats.org/drawingml/2006/main" xmlns:r="http://schemas.openxmlformats.org/officeDocument/2006/relationships" xmlns:p="http://schemas.openxmlformats.org/presentationml/2006/main">
+  <p:cSld>
+    <p:spTree>
+      <p:nvGrpSpPr>
+        <p:cNvPr id="1" name=""/>
+        <p:cNvGrpSpPr/>
+        <p:nvPr/>
+      </p:nvGrpSpPr>
+      <p:grpSpPr>
+        <a:xfrm>
+          <a:off x="0" y="0"/>
+          <a:ext cx="0" cy="0"/>
+          <a:chOff x="0" y="0"/>
+          <a:chExt cx="0" cy="0"/>
+        </a:xfrm>
+      </p:grpSpPr>
+      <p:sp>
+        <p:nvSpPr>
+          <p:cNvPr id="2" name="Marcador de imagen de diapositiva 1"/>
+          <p:cNvSpPr>
+            <a:spLocks noGrp="1" noRot="1" noChangeAspect="1"/>
+          </p:cNvSpPr>
+          <p:nvPr>
+            <p:ph type="sldImg"/>
+          </p:nvPr>
+        </p:nvSpPr>
+        <p:spPr/>
+      </p:sp>
+      <p:sp>
+        <p:nvSpPr>
+          <p:cNvPr id="3" name="Marcador de notas 2"/>
+          <p:cNvSpPr>
+            <a:spLocks noGrp="1"/>
+          </p:cNvSpPr>
+          <p:nvPr>
+            <p:ph type="body" idx="1"/>
+          </p:nvPr>
+        </p:nvSpPr>
+        <p:spPr/>
+        <p:txBody>
+          <a:bodyPr/>
+          <a:lstStyle/>
+          <a:p>
+            <a:endParaRPr lang="es-AR" dirty="0"/>
+          </a:p>
+        </p:txBody>
+      </p:sp>
+      <p:sp>
+        <p:nvSpPr>
+          <p:cNvPr id="4" name="Marcador de número de diapositiva 3"/>
+          <p:cNvSpPr>
+            <a:spLocks noGrp="1"/>
+          </p:cNvSpPr>
+          <p:nvPr>
+            <p:ph type="sldNum" sz="quarter" idx="10"/>
+          </p:nvPr>
+        </p:nvSpPr>
+        <p:spPr/>
+        <p:txBody>
+          <a:bodyPr/>
+          <a:lstStyle/>
+          <a:p>
+            <a:fld id="{4E0ADE5F-4420-48D4-8147-C3A8E3B2A19B}" type="slidenum">
+              <a:rPr lang="es-AR" smtClean="0"/>
+              <a:t>11</a:t>
             </a:fld>
             <a:endParaRPr lang="es-AR"/>
           </a:p>
@@ -8581,11 +8667,7 @@
           <a:p>
             <a:r>
               <a:rPr lang="es-AR" dirty="0" smtClean="0"/>
-              <a:t>Segundo Semestre </a:t>
-            </a:r>
-            <a:r>
-              <a:rPr lang="es-AR" dirty="0" smtClean="0"/>
-              <a:t>2019</a:t>
+              <a:t>Segundo Semestre 2019</a:t>
             </a:r>
             <a:endParaRPr lang="es-AR" dirty="0"/>
           </a:p>
@@ -8595,6 +8677,860 @@
     <p:extLst>
       <p:ext uri="{BB962C8B-B14F-4D97-AF65-F5344CB8AC3E}">
         <p14:creationId xmlns:p14="http://schemas.microsoft.com/office/powerpoint/2010/main" val="2369183749"/>
+      </p:ext>
+    </p:extLst>
+  </p:cSld>
+  <p:clrMapOvr>
+    <a:masterClrMapping/>
+  </p:clrMapOvr>
+  <p:timing>
+    <p:tnLst>
+      <p:par>
+        <p:cTn id="1" dur="indefinite" restart="never" nodeType="tmRoot"/>
+      </p:par>
+    </p:tnLst>
+  </p:timing>
+</p:sld>
+</file>
+
+<file path=ppt/slides/slide10.xml><?xml version="1.0" encoding="utf-8"?>
+<p:sld xmlns:a="http://schemas.openxmlformats.org/drawingml/2006/main" xmlns:r="http://schemas.openxmlformats.org/officeDocument/2006/relationships" xmlns:p="http://schemas.openxmlformats.org/presentationml/2006/main">
+  <p:cSld>
+    <p:spTree>
+      <p:nvGrpSpPr>
+        <p:cNvPr id="1" name=""/>
+        <p:cNvGrpSpPr/>
+        <p:nvPr/>
+      </p:nvGrpSpPr>
+      <p:grpSpPr>
+        <a:xfrm>
+          <a:off x="0" y="0"/>
+          <a:ext cx="0" cy="0"/>
+          <a:chOff x="0" y="0"/>
+          <a:chExt cx="0" cy="0"/>
+        </a:xfrm>
+      </p:grpSpPr>
+      <p:sp>
+        <p:nvSpPr>
+          <p:cNvPr id="2" name="Título 1"/>
+          <p:cNvSpPr>
+            <a:spLocks noGrp="1"/>
+          </p:cNvSpPr>
+          <p:nvPr>
+            <p:ph type="title"/>
+          </p:nvPr>
+        </p:nvSpPr>
+        <p:spPr/>
+        <p:txBody>
+          <a:bodyPr/>
+          <a:lstStyle/>
+          <a:p>
+            <a:r>
+              <a:rPr lang="es-AR" dirty="0" smtClean="0"/>
+              <a:t>TRABAJOS PRÁCTICOS</a:t>
+            </a:r>
+            <a:endParaRPr lang="es-AR" dirty="0"/>
+          </a:p>
+        </p:txBody>
+      </p:sp>
+      <p:sp>
+        <p:nvSpPr>
+          <p:cNvPr id="3" name="Marcador de contenido 2"/>
+          <p:cNvSpPr>
+            <a:spLocks noGrp="1"/>
+          </p:cNvSpPr>
+          <p:nvPr>
+            <p:ph idx="1"/>
+          </p:nvPr>
+        </p:nvSpPr>
+        <p:spPr>
+          <a:xfrm>
+            <a:off x="680321" y="2336872"/>
+            <a:ext cx="9613861" cy="4063927"/>
+          </a:xfrm>
+        </p:spPr>
+        <p:txBody>
+          <a:bodyPr>
+            <a:normAutofit fontScale="92500" lnSpcReduction="10000"/>
+          </a:bodyPr>
+          <a:lstStyle/>
+          <a:p>
+            <a:r>
+              <a:rPr lang="es-AR" dirty="0" smtClean="0">
+                <a:effectLst>
+                  <a:outerShdw blurRad="38100" dist="38100" dir="2700000" algn="tl">
+                    <a:srgbClr val="000000">
+                      <a:alpha val="43137"/>
+                    </a:srgbClr>
+                  </a:outerShdw>
+                </a:effectLst>
+              </a:rPr>
+              <a:t>Fecha </a:t>
+            </a:r>
+            <a:r>
+              <a:rPr lang="es-AR" dirty="0">
+                <a:effectLst>
+                  <a:outerShdw blurRad="38100" dist="38100" dir="2700000" algn="tl">
+                    <a:srgbClr val="000000">
+                      <a:alpha val="43137"/>
+                    </a:srgbClr>
+                  </a:outerShdw>
+                </a:effectLst>
+              </a:rPr>
+              <a:t>límite de publicación en </a:t>
+            </a:r>
+            <a:r>
+              <a:rPr lang="es-AR" dirty="0" smtClean="0">
+                <a:effectLst>
+                  <a:outerShdw blurRad="38100" dist="38100" dir="2700000" algn="tl">
+                    <a:srgbClr val="000000">
+                      <a:alpha val="43137"/>
+                    </a:srgbClr>
+                  </a:outerShdw>
+                </a:effectLst>
+              </a:rPr>
+              <a:t>GIT:</a:t>
+            </a:r>
+            <a:endParaRPr lang="es-AR" dirty="0">
+              <a:effectLst>
+                <a:outerShdw blurRad="38100" dist="38100" dir="2700000" algn="tl">
+                  <a:srgbClr val="000000">
+                    <a:alpha val="43137"/>
+                  </a:srgbClr>
+                </a:outerShdw>
+              </a:effectLst>
+            </a:endParaRPr>
+          </a:p>
+          <a:p>
+            <a:pPr lvl="1"/>
+            <a:r>
+              <a:rPr lang="es-AR" b="1" dirty="0" smtClean="0">
+                <a:effectLst>
+                  <a:outerShdw blurRad="38100" dist="38100" dir="2700000" algn="tl">
+                    <a:srgbClr val="000000">
+                      <a:alpha val="43137"/>
+                    </a:srgbClr>
+                  </a:outerShdw>
+                </a:effectLst>
+              </a:rPr>
+              <a:t>TP1 – 16 de septiembre 10</a:t>
+            </a:r>
+            <a:r>
+              <a:rPr lang="es-AR" b="1" dirty="0">
+                <a:effectLst>
+                  <a:outerShdw blurRad="38100" dist="38100" dir="2700000" algn="tl">
+                    <a:srgbClr val="000000">
+                      <a:alpha val="43137"/>
+                    </a:srgbClr>
+                  </a:outerShdw>
+                </a:effectLst>
+              </a:rPr>
+              <a:t> a.m.</a:t>
+            </a:r>
+          </a:p>
+          <a:p>
+            <a:pPr lvl="1"/>
+            <a:r>
+              <a:rPr lang="es-AR" b="1" dirty="0">
+                <a:effectLst>
+                  <a:outerShdw blurRad="38100" dist="38100" dir="2700000" algn="tl">
+                    <a:srgbClr val="000000">
+                      <a:alpha val="43137"/>
+                    </a:srgbClr>
+                  </a:outerShdw>
+                </a:effectLst>
+              </a:rPr>
+              <a:t>TP2 </a:t>
+            </a:r>
+            <a:r>
+              <a:rPr lang="es-AR" b="1" dirty="0" smtClean="0">
+                <a:effectLst>
+                  <a:outerShdw blurRad="38100" dist="38100" dir="2700000" algn="tl">
+                    <a:srgbClr val="000000">
+                      <a:alpha val="43137"/>
+                    </a:srgbClr>
+                  </a:outerShdw>
+                </a:effectLst>
+              </a:rPr>
+              <a:t>– 07 de octubre 10</a:t>
+            </a:r>
+            <a:r>
+              <a:rPr lang="es-AR" b="1" dirty="0">
+                <a:effectLst>
+                  <a:outerShdw blurRad="38100" dist="38100" dir="2700000" algn="tl">
+                    <a:srgbClr val="000000">
+                      <a:alpha val="43137"/>
+                    </a:srgbClr>
+                  </a:outerShdw>
+                </a:effectLst>
+              </a:rPr>
+              <a:t> a.m.</a:t>
+            </a:r>
+          </a:p>
+          <a:p>
+            <a:pPr lvl="1"/>
+            <a:r>
+              <a:rPr lang="es-AR" b="1" dirty="0">
+                <a:effectLst>
+                  <a:outerShdw blurRad="38100" dist="38100" dir="2700000" algn="tl">
+                    <a:srgbClr val="000000">
+                      <a:alpha val="43137"/>
+                    </a:srgbClr>
+                  </a:outerShdw>
+                </a:effectLst>
+              </a:rPr>
+              <a:t>TP3 </a:t>
+            </a:r>
+            <a:r>
+              <a:rPr lang="es-AR" b="1" dirty="0" smtClean="0">
+                <a:effectLst>
+                  <a:outerShdw blurRad="38100" dist="38100" dir="2700000" algn="tl">
+                    <a:srgbClr val="000000">
+                      <a:alpha val="43137"/>
+                    </a:srgbClr>
+                  </a:outerShdw>
+                </a:effectLst>
+              </a:rPr>
+              <a:t>– 04 de noviembre 10 </a:t>
+            </a:r>
+            <a:r>
+              <a:rPr lang="es-AR" b="1" dirty="0">
+                <a:effectLst>
+                  <a:outerShdw blurRad="38100" dist="38100" dir="2700000" algn="tl">
+                    <a:srgbClr val="000000">
+                      <a:alpha val="43137"/>
+                    </a:srgbClr>
+                  </a:outerShdw>
+                </a:effectLst>
+              </a:rPr>
+              <a:t>a.m.</a:t>
+            </a:r>
+          </a:p>
+          <a:p>
+            <a:pPr lvl="1"/>
+            <a:r>
+              <a:rPr lang="es-AR" b="1" dirty="0">
+                <a:effectLst>
+                  <a:outerShdw blurRad="38100" dist="38100" dir="2700000" algn="tl">
+                    <a:srgbClr val="000000">
+                      <a:alpha val="43137"/>
+                    </a:srgbClr>
+                  </a:outerShdw>
+                </a:effectLst>
+              </a:rPr>
+              <a:t>TP4 </a:t>
+            </a:r>
+            <a:r>
+              <a:rPr lang="es-AR" b="1" dirty="0" smtClean="0">
+                <a:effectLst>
+                  <a:outerShdw blurRad="38100" dist="38100" dir="2700000" algn="tl">
+                    <a:srgbClr val="000000">
+                      <a:alpha val="43137"/>
+                    </a:srgbClr>
+                  </a:outerShdw>
+                </a:effectLst>
+              </a:rPr>
+              <a:t>– 29 de </a:t>
+            </a:r>
+            <a:r>
+              <a:rPr lang="es-AR" b="1" dirty="0">
+                <a:effectLst>
+                  <a:outerShdw blurRad="38100" dist="38100" dir="2700000" algn="tl">
+                    <a:srgbClr val="000000">
+                      <a:alpha val="43137"/>
+                    </a:srgbClr>
+                  </a:outerShdw>
+                </a:effectLst>
+              </a:rPr>
+              <a:t>noviembre 10 </a:t>
+            </a:r>
+            <a:r>
+              <a:rPr lang="es-AR" b="1" dirty="0" smtClean="0">
+                <a:effectLst>
+                  <a:outerShdw blurRad="38100" dist="38100" dir="2700000" algn="tl">
+                    <a:srgbClr val="000000">
+                      <a:alpha val="43137"/>
+                    </a:srgbClr>
+                  </a:outerShdw>
+                </a:effectLst>
+              </a:rPr>
+              <a:t>a.m.</a:t>
+            </a:r>
+          </a:p>
+          <a:p>
+            <a:endParaRPr lang="es-AR" dirty="0">
+              <a:effectLst>
+                <a:outerShdw blurRad="38100" dist="38100" dir="2700000" algn="tl">
+                  <a:srgbClr val="000000">
+                    <a:alpha val="43137"/>
+                  </a:srgbClr>
+                </a:outerShdw>
+              </a:effectLst>
+            </a:endParaRPr>
+          </a:p>
+          <a:p>
+            <a:r>
+              <a:rPr lang="es-AR" dirty="0" smtClean="0">
+                <a:effectLst>
+                  <a:outerShdw blurRad="38100" dist="38100" dir="2700000" algn="tl">
+                    <a:srgbClr val="000000">
+                      <a:alpha val="43137"/>
+                    </a:srgbClr>
+                  </a:outerShdw>
+                </a:effectLst>
+              </a:rPr>
+              <a:t>1er </a:t>
+            </a:r>
+            <a:r>
+              <a:rPr lang="es-AR" dirty="0" err="1" smtClean="0">
+                <a:effectLst>
+                  <a:outerShdw blurRad="38100" dist="38100" dir="2700000" algn="tl">
+                    <a:srgbClr val="000000">
+                      <a:alpha val="43137"/>
+                    </a:srgbClr>
+                  </a:outerShdw>
+                </a:effectLst>
+              </a:rPr>
+              <a:t>recuperatorio</a:t>
+            </a:r>
+            <a:r>
+              <a:rPr lang="es-AR" dirty="0" smtClean="0">
+                <a:effectLst>
+                  <a:outerShdw blurRad="38100" dist="38100" dir="2700000" algn="tl">
+                    <a:srgbClr val="000000">
+                      <a:alpha val="43137"/>
+                    </a:srgbClr>
+                  </a:outerShdw>
+                </a:effectLst>
+              </a:rPr>
+              <a:t>: 8 de diciembre 10 </a:t>
+            </a:r>
+            <a:r>
+              <a:rPr lang="es-AR" dirty="0">
+                <a:effectLst>
+                  <a:outerShdw blurRad="38100" dist="38100" dir="2700000" algn="tl">
+                    <a:srgbClr val="000000">
+                      <a:alpha val="43137"/>
+                    </a:srgbClr>
+                  </a:outerShdw>
+                </a:effectLst>
+              </a:rPr>
+              <a:t>a.m.</a:t>
+            </a:r>
+            <a:endParaRPr lang="es-AR" dirty="0" smtClean="0">
+              <a:effectLst>
+                <a:outerShdw blurRad="38100" dist="38100" dir="2700000" algn="tl">
+                  <a:srgbClr val="000000">
+                    <a:alpha val="43137"/>
+                  </a:srgbClr>
+                </a:outerShdw>
+              </a:effectLst>
+            </a:endParaRPr>
+          </a:p>
+          <a:p>
+            <a:r>
+              <a:rPr lang="es-AR" dirty="0" smtClean="0">
+                <a:effectLst>
+                  <a:outerShdw blurRad="38100" dist="38100" dir="2700000" algn="tl">
+                    <a:srgbClr val="000000">
+                      <a:alpha val="43137"/>
+                    </a:srgbClr>
+                  </a:outerShdw>
+                </a:effectLst>
+              </a:rPr>
+              <a:t>2do </a:t>
+            </a:r>
+            <a:r>
+              <a:rPr lang="es-AR" dirty="0" err="1" smtClean="0">
+                <a:effectLst>
+                  <a:outerShdw blurRad="38100" dist="38100" dir="2700000" algn="tl">
+                    <a:srgbClr val="000000">
+                      <a:alpha val="43137"/>
+                    </a:srgbClr>
+                  </a:outerShdw>
+                </a:effectLst>
+              </a:rPr>
+              <a:t>recuperatorio</a:t>
+            </a:r>
+            <a:r>
+              <a:rPr lang="es-AR" dirty="0">
+                <a:effectLst>
+                  <a:outerShdw blurRad="38100" dist="38100" dir="2700000" algn="tl">
+                    <a:srgbClr val="000000">
+                      <a:alpha val="43137"/>
+                    </a:srgbClr>
+                  </a:outerShdw>
+                </a:effectLst>
+              </a:rPr>
+              <a:t>: </a:t>
+            </a:r>
+            <a:r>
+              <a:rPr lang="es-AR" dirty="0" smtClean="0">
+                <a:effectLst>
+                  <a:outerShdw blurRad="38100" dist="38100" dir="2700000" algn="tl">
+                    <a:srgbClr val="000000">
+                      <a:alpha val="43137"/>
+                    </a:srgbClr>
+                  </a:outerShdw>
+                </a:effectLst>
+              </a:rPr>
+              <a:t>11 </a:t>
+            </a:r>
+            <a:r>
+              <a:rPr lang="es-AR" dirty="0">
+                <a:effectLst>
+                  <a:outerShdw blurRad="38100" dist="38100" dir="2700000" algn="tl">
+                    <a:srgbClr val="000000">
+                      <a:alpha val="43137"/>
+                    </a:srgbClr>
+                  </a:outerShdw>
+                </a:effectLst>
+              </a:rPr>
+              <a:t>de diciembre 10 a.m.</a:t>
+            </a:r>
+            <a:endParaRPr lang="es-AR" dirty="0" smtClean="0">
+              <a:effectLst>
+                <a:outerShdw blurRad="38100" dist="38100" dir="2700000" algn="tl">
+                  <a:srgbClr val="000000">
+                    <a:alpha val="43137"/>
+                  </a:srgbClr>
+                </a:outerShdw>
+              </a:effectLst>
+            </a:endParaRPr>
+          </a:p>
+          <a:p>
+            <a:r>
+              <a:rPr lang="es-AR" dirty="0" smtClean="0">
+                <a:effectLst>
+                  <a:outerShdw blurRad="38100" dist="38100" dir="2700000" algn="tl">
+                    <a:srgbClr val="000000">
+                      <a:alpha val="43137"/>
+                    </a:srgbClr>
+                  </a:outerShdw>
+                </a:effectLst>
+              </a:rPr>
+              <a:t>Pasadas esas fechas y </a:t>
+            </a:r>
+            <a:r>
+              <a:rPr lang="es-AR" u="sng" dirty="0" smtClean="0">
+                <a:effectLst>
+                  <a:outerShdw blurRad="38100" dist="38100" dir="2700000" algn="tl">
+                    <a:srgbClr val="000000">
+                      <a:alpha val="43137"/>
+                    </a:srgbClr>
+                  </a:outerShdw>
+                </a:effectLst>
+              </a:rPr>
+              <a:t>horas</a:t>
+            </a:r>
+            <a:r>
+              <a:rPr lang="es-AR" dirty="0" smtClean="0">
+                <a:effectLst>
+                  <a:outerShdw blurRad="38100" dist="38100" dir="2700000" algn="tl">
+                    <a:srgbClr val="000000">
+                      <a:alpha val="43137"/>
+                    </a:srgbClr>
+                  </a:outerShdw>
+                </a:effectLst>
+              </a:rPr>
+              <a:t>, la cursada está desaprobada.</a:t>
+            </a:r>
+          </a:p>
+          <a:p>
+            <a:r>
+              <a:rPr lang="es-AR" dirty="0" smtClean="0">
+                <a:effectLst>
+                  <a:outerShdw blurRad="38100" dist="38100" dir="2700000" algn="tl">
+                    <a:srgbClr val="000000">
+                      <a:alpha val="43137"/>
+                    </a:srgbClr>
+                  </a:outerShdw>
+                </a:effectLst>
+              </a:rPr>
+              <a:t>Los </a:t>
+            </a:r>
+            <a:r>
+              <a:rPr lang="es-AR" dirty="0" err="1" smtClean="0">
+                <a:effectLst>
+                  <a:outerShdw blurRad="38100" dist="38100" dir="2700000" algn="tl">
+                    <a:srgbClr val="000000">
+                      <a:alpha val="43137"/>
+                    </a:srgbClr>
+                  </a:outerShdw>
+                </a:effectLst>
+              </a:rPr>
+              <a:t>TPs</a:t>
+            </a:r>
+            <a:r>
+              <a:rPr lang="es-AR" dirty="0" smtClean="0">
+                <a:effectLst>
+                  <a:outerShdw blurRad="38100" dist="38100" dir="2700000" algn="tl">
+                    <a:srgbClr val="000000">
+                      <a:alpha val="43137"/>
+                    </a:srgbClr>
+                  </a:outerShdw>
+                </a:effectLst>
+              </a:rPr>
+              <a:t> son individuales, no se realizan en grupo y la detección de copias será penada.</a:t>
+            </a:r>
+            <a:endParaRPr lang="es-AR" dirty="0">
+              <a:effectLst>
+                <a:outerShdw blurRad="38100" dist="38100" dir="2700000" algn="tl">
+                  <a:srgbClr val="000000">
+                    <a:alpha val="43137"/>
+                  </a:srgbClr>
+                </a:outerShdw>
+              </a:effectLst>
+            </a:endParaRPr>
+          </a:p>
+          <a:p>
+            <a:endParaRPr lang="es-AR" dirty="0"/>
+          </a:p>
+        </p:txBody>
+      </p:sp>
+    </p:spTree>
+    <p:extLst>
+      <p:ext uri="{BB962C8B-B14F-4D97-AF65-F5344CB8AC3E}">
+        <p14:creationId xmlns:p14="http://schemas.microsoft.com/office/powerpoint/2010/main" val="1146836028"/>
+      </p:ext>
+    </p:extLst>
+  </p:cSld>
+  <p:clrMapOvr>
+    <a:masterClrMapping/>
+  </p:clrMapOvr>
+  <p:timing>
+    <p:tnLst>
+      <p:par>
+        <p:cTn id="1" dur="indefinite" restart="never" nodeType="tmRoot"/>
+      </p:par>
+    </p:tnLst>
+  </p:timing>
+</p:sld>
+</file>
+
+<file path=ppt/slides/slide11.xml><?xml version="1.0" encoding="utf-8"?>
+<p:sld xmlns:a="http://schemas.openxmlformats.org/drawingml/2006/main" xmlns:r="http://schemas.openxmlformats.org/officeDocument/2006/relationships" xmlns:p="http://schemas.openxmlformats.org/presentationml/2006/main">
+  <p:cSld>
+    <p:spTree>
+      <p:nvGrpSpPr>
+        <p:cNvPr id="1" name=""/>
+        <p:cNvGrpSpPr/>
+        <p:nvPr/>
+      </p:nvGrpSpPr>
+      <p:grpSpPr>
+        <a:xfrm>
+          <a:off x="0" y="0"/>
+          <a:ext cx="0" cy="0"/>
+          <a:chOff x="0" y="0"/>
+          <a:chExt cx="0" cy="0"/>
+        </a:xfrm>
+      </p:grpSpPr>
+      <p:sp>
+        <p:nvSpPr>
+          <p:cNvPr id="2" name="Título 1"/>
+          <p:cNvSpPr>
+            <a:spLocks noGrp="1"/>
+          </p:cNvSpPr>
+          <p:nvPr>
+            <p:ph type="title"/>
+          </p:nvPr>
+        </p:nvSpPr>
+        <p:spPr/>
+        <p:txBody>
+          <a:bodyPr/>
+          <a:lstStyle/>
+          <a:p>
+            <a:r>
+              <a:rPr lang="es-AR" dirty="0" smtClean="0"/>
+              <a:t>PROMOCIÓN</a:t>
+            </a:r>
+            <a:endParaRPr lang="es-AR" dirty="0"/>
+          </a:p>
+        </p:txBody>
+      </p:sp>
+      <p:sp>
+        <p:nvSpPr>
+          <p:cNvPr id="3" name="Marcador de contenido 2"/>
+          <p:cNvSpPr>
+            <a:spLocks noGrp="1"/>
+          </p:cNvSpPr>
+          <p:nvPr>
+            <p:ph idx="1"/>
+          </p:nvPr>
+        </p:nvSpPr>
+        <p:spPr>
+          <a:xfrm>
+            <a:off x="680321" y="2336872"/>
+            <a:ext cx="9613861" cy="3739463"/>
+          </a:xfrm>
+        </p:spPr>
+        <p:txBody>
+          <a:bodyPr>
+            <a:normAutofit/>
+          </a:bodyPr>
+          <a:lstStyle/>
+          <a:p>
+            <a:r>
+              <a:rPr lang="es-AR" dirty="0" smtClean="0">
+                <a:effectLst>
+                  <a:outerShdw blurRad="38100" dist="38100" dir="2700000" algn="tl">
+                    <a:srgbClr val="000000">
+                      <a:alpha val="43137"/>
+                    </a:srgbClr>
+                  </a:outerShdw>
+                </a:effectLst>
+              </a:rPr>
+              <a:t>Desde comienzos de 2018</a:t>
+            </a:r>
+            <a:r>
+              <a:rPr lang="es-AR" dirty="0">
+                <a:effectLst>
+                  <a:outerShdw blurRad="38100" dist="38100" dir="2700000" algn="tl">
+                    <a:srgbClr val="000000">
+                      <a:alpha val="43137"/>
+                    </a:srgbClr>
+                  </a:outerShdw>
+                </a:effectLst>
+              </a:rPr>
+              <a:t> </a:t>
+            </a:r>
+            <a:r>
+              <a:rPr lang="es-AR" dirty="0" smtClean="0">
+                <a:effectLst>
+                  <a:outerShdw blurRad="38100" dist="38100" dir="2700000" algn="tl">
+                    <a:srgbClr val="000000">
+                      <a:alpha val="43137"/>
+                    </a:srgbClr>
+                  </a:outerShdw>
+                </a:effectLst>
+              </a:rPr>
+              <a:t>las materias cuentan con promoción directa.</a:t>
+            </a:r>
+          </a:p>
+          <a:p>
+            <a:r>
+              <a:rPr lang="es-AR" dirty="0" smtClean="0">
+                <a:effectLst>
+                  <a:outerShdw blurRad="38100" dist="38100" dir="2700000" algn="tl">
+                    <a:srgbClr val="000000">
+                      <a:alpha val="43137"/>
+                    </a:srgbClr>
+                  </a:outerShdw>
+                </a:effectLst>
+              </a:rPr>
+              <a:t>Para lograrlo deberán:</a:t>
+            </a:r>
+          </a:p>
+          <a:p>
+            <a:pPr lvl="1"/>
+            <a:r>
+              <a:rPr lang="es-AR" dirty="0" smtClean="0">
+                <a:effectLst>
+                  <a:outerShdw blurRad="38100" dist="38100" dir="2700000" algn="tl">
+                    <a:srgbClr val="000000">
+                      <a:alpha val="43137"/>
+                    </a:srgbClr>
+                  </a:outerShdw>
+                </a:effectLst>
+              </a:rPr>
+              <a:t>Aprobar ambos parciales con nota IGUAL o SUPERIOR a </a:t>
+            </a:r>
+            <a:r>
+              <a:rPr lang="es-AR" b="1" dirty="0" smtClean="0">
+                <a:effectLst>
+                  <a:outerShdw blurRad="38100" dist="38100" dir="2700000" algn="tl">
+                    <a:srgbClr val="000000">
+                      <a:alpha val="43137"/>
+                    </a:srgbClr>
+                  </a:outerShdw>
+                </a:effectLst>
+              </a:rPr>
+              <a:t>6</a:t>
+            </a:r>
+            <a:r>
+              <a:rPr lang="es-AR" dirty="0" smtClean="0">
+                <a:effectLst>
+                  <a:outerShdw blurRad="38100" dist="38100" dir="2700000" algn="tl">
+                    <a:srgbClr val="000000">
+                      <a:alpha val="43137"/>
+                    </a:srgbClr>
+                  </a:outerShdw>
+                </a:effectLst>
+              </a:rPr>
+              <a:t> en cada uno de ellos.</a:t>
+            </a:r>
+          </a:p>
+          <a:p>
+            <a:pPr lvl="1"/>
+            <a:r>
+              <a:rPr lang="es-AR" dirty="0" smtClean="0">
+                <a:effectLst>
+                  <a:outerShdw blurRad="38100" dist="38100" dir="2700000" algn="tl">
+                    <a:srgbClr val="000000">
+                      <a:alpha val="43137"/>
+                    </a:srgbClr>
+                  </a:outerShdw>
+                </a:effectLst>
+              </a:rPr>
+              <a:t>Las notas no son </a:t>
+            </a:r>
+            <a:r>
+              <a:rPr lang="es-AR" dirty="0" err="1" smtClean="0">
+                <a:effectLst>
+                  <a:outerShdw blurRad="38100" dist="38100" dir="2700000" algn="tl">
+                    <a:srgbClr val="000000">
+                      <a:alpha val="43137"/>
+                    </a:srgbClr>
+                  </a:outerShdw>
+                </a:effectLst>
+              </a:rPr>
+              <a:t>promediables</a:t>
+            </a:r>
+            <a:r>
+              <a:rPr lang="es-AR" dirty="0" smtClean="0">
+                <a:effectLst>
+                  <a:outerShdw blurRad="38100" dist="38100" dir="2700000" algn="tl">
+                    <a:srgbClr val="000000">
+                      <a:alpha val="43137"/>
+                    </a:srgbClr>
+                  </a:outerShdw>
+                </a:effectLst>
+              </a:rPr>
+              <a:t> (10 y 5 rinde final).</a:t>
+            </a:r>
+          </a:p>
+          <a:p>
+            <a:pPr lvl="1"/>
+            <a:r>
+              <a:rPr lang="es-AR" dirty="0" smtClean="0">
+                <a:effectLst>
+                  <a:outerShdw blurRad="38100" dist="38100" dir="2700000" algn="tl">
+                    <a:srgbClr val="000000">
+                      <a:alpha val="43137"/>
+                    </a:srgbClr>
+                  </a:outerShdw>
+                </a:effectLst>
+              </a:rPr>
+              <a:t>Tener aprobados los Trabajos Prácticos en primera instancia o </a:t>
+            </a:r>
+            <a:r>
+              <a:rPr lang="es-AR" b="1" dirty="0" smtClean="0">
+                <a:effectLst>
+                  <a:outerShdw blurRad="38100" dist="38100" dir="2700000" algn="tl">
+                    <a:srgbClr val="000000">
+                      <a:alpha val="43137"/>
+                    </a:srgbClr>
+                  </a:outerShdw>
+                </a:effectLst>
+              </a:rPr>
+              <a:t>primer</a:t>
+            </a:r>
+            <a:r>
+              <a:rPr lang="es-AR" dirty="0" smtClean="0">
+                <a:effectLst>
+                  <a:outerShdw blurRad="38100" dist="38100" dir="2700000" algn="tl">
+                    <a:srgbClr val="000000">
+                      <a:alpha val="43137"/>
+                    </a:srgbClr>
+                  </a:outerShdw>
+                </a:effectLst>
+              </a:rPr>
+              <a:t> llamado de </a:t>
+            </a:r>
+            <a:r>
+              <a:rPr lang="es-AR" dirty="0" err="1" smtClean="0">
+                <a:effectLst>
+                  <a:outerShdw blurRad="38100" dist="38100" dir="2700000" algn="tl">
+                    <a:srgbClr val="000000">
+                      <a:alpha val="43137"/>
+                    </a:srgbClr>
+                  </a:outerShdw>
+                </a:effectLst>
+              </a:rPr>
+              <a:t>recuperatorio</a:t>
+            </a:r>
+            <a:r>
+              <a:rPr lang="es-AR" dirty="0" smtClean="0">
+                <a:effectLst>
+                  <a:outerShdw blurRad="38100" dist="38100" dir="2700000" algn="tl">
+                    <a:srgbClr val="000000">
+                      <a:alpha val="43137"/>
+                    </a:srgbClr>
+                  </a:outerShdw>
+                </a:effectLst>
+              </a:rPr>
+              <a:t>.</a:t>
+            </a:r>
+          </a:p>
+          <a:p>
+            <a:pPr lvl="1"/>
+            <a:r>
+              <a:rPr lang="es-AR" dirty="0" smtClean="0">
+                <a:effectLst>
+                  <a:outerShdw blurRad="38100" dist="38100" dir="2700000" algn="tl">
+                    <a:srgbClr val="000000">
+                      <a:alpha val="43137"/>
+                    </a:srgbClr>
+                  </a:outerShdw>
+                </a:effectLst>
+              </a:rPr>
+              <a:t>Los </a:t>
+            </a:r>
+            <a:r>
+              <a:rPr lang="es-AR" dirty="0" err="1" smtClean="0">
+                <a:effectLst>
+                  <a:outerShdw blurRad="38100" dist="38100" dir="2700000" algn="tl">
+                    <a:srgbClr val="000000">
+                      <a:alpha val="43137"/>
+                    </a:srgbClr>
+                  </a:outerShdw>
+                </a:effectLst>
+              </a:rPr>
+              <a:t>recuperatorios</a:t>
+            </a:r>
+            <a:r>
+              <a:rPr lang="es-AR" dirty="0" smtClean="0">
+                <a:effectLst>
+                  <a:outerShdw blurRad="38100" dist="38100" dir="2700000" algn="tl">
+                    <a:srgbClr val="000000">
+                      <a:alpha val="43137"/>
+                    </a:srgbClr>
+                  </a:outerShdw>
+                </a:effectLst>
+              </a:rPr>
+              <a:t> son válidos para la promoción de la materia.</a:t>
+            </a:r>
+            <a:endParaRPr lang="es-AR" dirty="0">
+              <a:effectLst>
+                <a:outerShdw blurRad="38100" dist="38100" dir="2700000" algn="tl">
+                  <a:srgbClr val="000000">
+                    <a:alpha val="43137"/>
+                  </a:srgbClr>
+                </a:outerShdw>
+              </a:effectLst>
+            </a:endParaRPr>
+          </a:p>
+          <a:p>
+            <a:pPr lvl="1"/>
+            <a:r>
+              <a:rPr lang="es-AR" dirty="0">
+                <a:effectLst>
+                  <a:outerShdw blurRad="38100" dist="38100" dir="2700000" algn="tl">
+                    <a:srgbClr val="000000">
+                      <a:alpha val="43137"/>
+                    </a:srgbClr>
+                  </a:outerShdw>
+                </a:effectLst>
+              </a:rPr>
+              <a:t>La calificación que prevalece cuando el alumno recupera un parcial es la nota más alta.</a:t>
+            </a:r>
+          </a:p>
+        </p:txBody>
+      </p:sp>
+    </p:spTree>
+    <p:extLst>
+      <p:ext uri="{BB962C8B-B14F-4D97-AF65-F5344CB8AC3E}">
+        <p14:creationId xmlns:p14="http://schemas.microsoft.com/office/powerpoint/2010/main" val="3307960532"/>
       </p:ext>
     </p:extLst>
   </p:cSld>
@@ -9190,7 +10126,7 @@
           <a:p>
             <a:r>
               <a:rPr lang="es-AR" dirty="0" smtClean="0"/>
-              <a:t>GUÍA DE EJERCICIOS</a:t>
+              <a:t>SLACK</a:t>
             </a:r>
             <a:endParaRPr lang="es-AR" dirty="0"/>
           </a:p>
@@ -9214,7 +10150,7 @@
           <a:lstStyle/>
           <a:p>
             <a:r>
-              <a:rPr lang="es-AR" sz="2800" dirty="0" smtClean="0">
+              <a:rPr lang="es-AR" dirty="0" smtClean="0">
                 <a:effectLst>
                   <a:outerShdw blurRad="38100" dist="38100" dir="2700000" algn="tl">
                     <a:srgbClr val="000000">
@@ -9223,11 +10159,101 @@
                   </a:outerShdw>
                 </a:effectLst>
               </a:rPr>
-              <a:t>En el Campus se podrá encontrar una Guía propuesta de ejercicios.</a:t>
-            </a:r>
-          </a:p>
-          <a:p>
-            <a:endParaRPr lang="es-AR" sz="2800" dirty="0" smtClean="0">
+              <a:t>Es una aplicación o software de colaboración y comunicación.</a:t>
+            </a:r>
+          </a:p>
+          <a:p>
+            <a:pPr lvl="1"/>
+            <a:r>
+              <a:rPr lang="es-AR" dirty="0" smtClean="0">
+                <a:effectLst>
+                  <a:outerShdw blurRad="38100" dist="38100" dir="2700000" algn="tl">
+                    <a:srgbClr val="000000">
+                      <a:alpha val="43137"/>
+                    </a:srgbClr>
+                  </a:outerShdw>
+                </a:effectLst>
+              </a:rPr>
+              <a:t>Tiene versión web, desktop y </a:t>
+            </a:r>
+            <a:r>
+              <a:rPr lang="es-AR" dirty="0" err="1" smtClean="0">
+                <a:effectLst>
+                  <a:outerShdw blurRad="38100" dist="38100" dir="2700000" algn="tl">
+                    <a:srgbClr val="000000">
+                      <a:alpha val="43137"/>
+                    </a:srgbClr>
+                  </a:outerShdw>
+                </a:effectLst>
+              </a:rPr>
+              <a:t>mobile</a:t>
+            </a:r>
+            <a:r>
+              <a:rPr lang="es-AR" dirty="0" smtClean="0">
+                <a:effectLst>
+                  <a:outerShdw blurRad="38100" dist="38100" dir="2700000" algn="tl">
+                    <a:srgbClr val="000000">
+                      <a:alpha val="43137"/>
+                    </a:srgbClr>
+                  </a:outerShdw>
+                </a:effectLst>
+              </a:rPr>
+              <a:t>. Recomiendo descargar la versión </a:t>
+            </a:r>
+            <a:r>
+              <a:rPr lang="es-AR" dirty="0" err="1" smtClean="0">
+                <a:effectLst>
+                  <a:outerShdw blurRad="38100" dist="38100" dir="2700000" algn="tl">
+                    <a:srgbClr val="000000">
+                      <a:alpha val="43137"/>
+                    </a:srgbClr>
+                  </a:outerShdw>
+                </a:effectLst>
+              </a:rPr>
+              <a:t>mobile</a:t>
+            </a:r>
+            <a:r>
+              <a:rPr lang="es-AR" dirty="0" smtClean="0">
+                <a:effectLst>
+                  <a:outerShdw blurRad="38100" dist="38100" dir="2700000" algn="tl">
+                    <a:srgbClr val="000000">
+                      <a:alpha val="43137"/>
+                    </a:srgbClr>
+                  </a:outerShdw>
+                </a:effectLst>
+              </a:rPr>
+              <a:t> para estar al día.</a:t>
+            </a:r>
+          </a:p>
+          <a:p>
+            <a:pPr lvl="1"/>
+            <a:r>
+              <a:rPr lang="es-AR" u="sng" dirty="0" smtClean="0">
+                <a:effectLst>
+                  <a:outerShdw blurRad="38100" dist="38100" dir="2700000" algn="tl">
+                    <a:srgbClr val="000000">
+                      <a:alpha val="43137"/>
+                    </a:srgbClr>
+                  </a:outerShdw>
+                </a:effectLst>
+              </a:rPr>
+              <a:t>Modo NO MOLESTAR</a:t>
+            </a:r>
+            <a:r>
+              <a:rPr lang="es-AR" dirty="0" smtClean="0">
+                <a:effectLst>
+                  <a:outerShdw blurRad="38100" dist="38100" dir="2700000" algn="tl">
+                    <a:srgbClr val="000000">
+                      <a:alpha val="43137"/>
+                    </a:srgbClr>
+                  </a:outerShdw>
+                </a:effectLst>
+              </a:rPr>
+              <a:t>: No recibirán notificaciones entre las 00hs y las 8hs.</a:t>
+            </a:r>
+          </a:p>
+          <a:p>
+            <a:endParaRPr lang="es-AR" dirty="0" smtClean="0">
               <a:effectLst>
                 <a:outerShdw blurRad="38100" dist="38100" dir="2700000" algn="tl">
                   <a:srgbClr val="000000">
@@ -9239,7 +10265,7 @@
           </a:p>
           <a:p>
             <a:r>
-              <a:rPr lang="es-AR" sz="2800" dirty="0" smtClean="0">
+              <a:rPr lang="es-AR" u="sng" dirty="0" smtClean="0">
                 <a:effectLst>
                   <a:outerShdw blurRad="38100" dist="38100" dir="2700000" algn="tl">
                     <a:srgbClr val="000000">
@@ -9248,9 +10274,24 @@
                   </a:outerShdw>
                 </a:effectLst>
               </a:rPr>
-              <a:t>Esta Guía puede ser modificada a lo largo de la cursada.</a:t>
-            </a:r>
-            <a:endParaRPr lang="es-AR" sz="2800" dirty="0">
+              <a:t>Unirse ahora</a:t>
+            </a:r>
+            <a:r>
+              <a:rPr lang="es-AR" dirty="0">
+                <a:effectLst>
+                  <a:outerShdw blurRad="38100" dist="38100" dir="2700000" algn="tl">
+                    <a:srgbClr val="000000">
+                      <a:alpha val="43137"/>
+                    </a:srgbClr>
+                  </a:outerShdw>
+                </a:effectLst>
+              </a:rPr>
+              <a:t>: https://join.slack.com/t/utn-prog2/shared_invite/enQtNzMyMTMwMDkyNjQwLWNlNjUxMDQ5OGI5YWU4OWU2MjE0ZDExYTVkM2MxNmJmNTAyYjE1OWI1MzliNzE5YmExOWE2YjVlMTIwNGZkNjU</a:t>
+            </a:r>
+          </a:p>
+          <a:p>
+            <a:pPr lvl="1"/>
+            <a:endParaRPr lang="es-AR" dirty="0">
               <a:effectLst>
                 <a:outerShdw blurRad="38100" dist="38100" dir="2700000" algn="tl">
                   <a:srgbClr val="000000">
@@ -9260,12 +10301,18 @@
               </a:effectLst>
             </a:endParaRPr>
           </a:p>
+          <a:p>
+            <a:endParaRPr lang="es-AR" dirty="0"/>
+          </a:p>
+          <a:p>
+            <a:endParaRPr lang="es-AR" dirty="0"/>
+          </a:p>
         </p:txBody>
       </p:sp>
     </p:spTree>
     <p:extLst>
       <p:ext uri="{BB962C8B-B14F-4D97-AF65-F5344CB8AC3E}">
-        <p14:creationId xmlns:p14="http://schemas.microsoft.com/office/powerpoint/2010/main" val="2382211408"/>
+        <p14:creationId xmlns:p14="http://schemas.microsoft.com/office/powerpoint/2010/main" val="37096996"/>
       </p:ext>
     </p:extLst>
   </p:cSld>
@@ -9316,7 +10363,7 @@
           <a:p>
             <a:r>
               <a:rPr lang="es-AR" dirty="0" smtClean="0"/>
-              <a:t>EXÁMENES PARCIALES</a:t>
+              <a:t>SLACK - Objetivo</a:t>
             </a:r>
             <a:endParaRPr lang="es-AR" dirty="0"/>
           </a:p>
@@ -9334,7 +10381,9 @@
         </p:nvSpPr>
         <p:spPr/>
         <p:txBody>
-          <a:bodyPr/>
+          <a:bodyPr>
+            <a:normAutofit fontScale="92500" lnSpcReduction="20000"/>
+          </a:bodyPr>
           <a:lstStyle/>
           <a:p>
             <a:r>
@@ -9347,10 +10396,10 @@
                   </a:outerShdw>
                 </a:effectLst>
               </a:rPr>
-              <a:t>Fechas </a:t>
-            </a:r>
-            <a:r>
-              <a:rPr lang="es-AR" u="sng" dirty="0" smtClean="0">
+              <a:t>Para comunicarnos - </a:t>
+            </a:r>
+            <a:r>
+              <a:rPr lang="es-AR" b="1" dirty="0" smtClean="0">
                 <a:effectLst>
                   <a:outerShdw blurRad="38100" dist="38100" dir="2700000" algn="tl">
                     <a:srgbClr val="000000">
@@ -9359,7 +10408,7 @@
                   </a:outerShdw>
                 </a:effectLst>
               </a:rPr>
-              <a:t>tentativas</a:t>
+              <a:t>de manera no oficial</a:t>
             </a:r>
             <a:r>
               <a:rPr lang="es-AR" dirty="0" smtClean="0">
@@ -9371,10 +10420,11 @@
                   </a:outerShdw>
                 </a:effectLst>
               </a:rPr>
-              <a:t> de examen (podrán cambiar durante la cursada)</a:t>
-            </a:r>
-          </a:p>
-          <a:p>
+              <a:t> - entre nosotros. </a:t>
+            </a:r>
+          </a:p>
+          <a:p>
+            <a:pPr lvl="1"/>
             <a:r>
               <a:rPr lang="es-AR" dirty="0" smtClean="0">
                 <a:effectLst>
@@ -9385,11 +10435,21 @@
                   </a:outerShdw>
                 </a:effectLst>
               </a:rPr>
-              <a:t>Programación II</a:t>
-            </a:r>
-          </a:p>
-          <a:p>
-            <a:pPr lvl="1"/>
+              <a:t>(La comunicación oficial está en el campus)</a:t>
+            </a:r>
+          </a:p>
+          <a:p>
+            <a:endParaRPr lang="es-AR" dirty="0" smtClean="0">
+              <a:effectLst>
+                <a:outerShdw blurRad="38100" dist="38100" dir="2700000" algn="tl">
+                  <a:srgbClr val="000000">
+                    <a:alpha val="43137"/>
+                  </a:srgbClr>
+                </a:outerShdw>
+              </a:effectLst>
+            </a:endParaRPr>
+          </a:p>
+          <a:p>
             <a:r>
               <a:rPr lang="es-AR" dirty="0" smtClean="0">
                 <a:effectLst>
@@ -9400,7 +10460,22 @@
                   </a:outerShdw>
                 </a:effectLst>
               </a:rPr>
-              <a:t>Cursada día Miércoles: </a:t>
+              <a:t>Es un espacio para:</a:t>
+            </a:r>
+          </a:p>
+          <a:p>
+            <a:pPr lvl="1"/>
+            <a:r>
+              <a:rPr lang="es-AR" dirty="0">
+                <a:effectLst>
+                  <a:outerShdw blurRad="38100" dist="38100" dir="2700000" algn="tl">
+                    <a:srgbClr val="000000">
+                      <a:alpha val="43137"/>
+                    </a:srgbClr>
+                  </a:outerShdw>
+                </a:effectLst>
+              </a:rPr>
+              <a:t>H</a:t>
             </a:r>
             <a:r>
               <a:rPr lang="es-AR" dirty="0" smtClean="0">
@@ -9412,8 +10487,11 @@
                   </a:outerShdw>
                 </a:effectLst>
               </a:rPr>
-              <a:t>9 </a:t>
-            </a:r>
+              <a:t>acer consultas sobre los temas vistos y ejercicios.</a:t>
+            </a:r>
+          </a:p>
+          <a:p>
+            <a:pPr lvl="1"/>
             <a:r>
               <a:rPr lang="es-AR" dirty="0" smtClean="0">
                 <a:effectLst>
@@ -9424,8 +10502,11 @@
                   </a:outerShdw>
                 </a:effectLst>
               </a:rPr>
-              <a:t>de </a:t>
-            </a:r>
+              <a:t>Compartir bibliografía, apuntes y materiales.</a:t>
+            </a:r>
+          </a:p>
+          <a:p>
+            <a:pPr lvl="1"/>
             <a:r>
               <a:rPr lang="es-AR" dirty="0" smtClean="0">
                 <a:effectLst>
@@ -9436,8 +10517,11 @@
                   </a:outerShdw>
                 </a:effectLst>
               </a:rPr>
-              <a:t>Octubre y 20 </a:t>
-            </a:r>
+              <a:t>Otras consultas comunes (fechas de parciales, dudas sobre la promoción). </a:t>
+            </a:r>
+          </a:p>
+          <a:p>
+            <a:pPr lvl="1"/>
             <a:r>
               <a:rPr lang="es-AR" dirty="0" smtClean="0">
                 <a:effectLst>
@@ -9448,8 +10532,21 @@
                   </a:outerShdw>
                 </a:effectLst>
               </a:rPr>
-              <a:t>de </a:t>
-            </a:r>
+              <a:t>Todos los temas que les puedan interesar a sus compañeros.</a:t>
+            </a:r>
+          </a:p>
+          <a:p>
+            <a:endParaRPr lang="es-AR" dirty="0" smtClean="0">
+              <a:effectLst>
+                <a:outerShdw blurRad="38100" dist="38100" dir="2700000" algn="tl">
+                  <a:srgbClr val="000000">
+                    <a:alpha val="43137"/>
+                  </a:srgbClr>
+                </a:outerShdw>
+              </a:effectLst>
+            </a:endParaRPr>
+          </a:p>
+          <a:p>
             <a:r>
               <a:rPr lang="es-AR" dirty="0" smtClean="0">
                 <a:effectLst>
@@ -9460,23 +10557,9 @@
                   </a:outerShdw>
                 </a:effectLst>
               </a:rPr>
-              <a:t>Noviembre </a:t>
-            </a:r>
-            <a:r>
-              <a:rPr lang="es-AR" dirty="0" smtClean="0">
-                <a:effectLst>
-                  <a:outerShdw blurRad="38100" dist="38100" dir="2700000" algn="tl">
-                    <a:srgbClr val="000000">
-                      <a:alpha val="43137"/>
-                    </a:srgbClr>
-                  </a:outerShdw>
-                </a:effectLst>
-              </a:rPr>
-              <a:t>18:30hs</a:t>
-            </a:r>
-          </a:p>
-          <a:p>
-            <a:endParaRPr lang="es-AR" dirty="0" smtClean="0">
+              <a:t>Si surge una duda la puedo responder un profesor o responderse entre ustedes.</a:t>
+            </a:r>
+            <a:endParaRPr lang="es-AR" dirty="0">
               <a:effectLst>
                 <a:outerShdw blurRad="38100" dist="38100" dir="2700000" algn="tl">
                   <a:srgbClr val="000000">
@@ -9487,132 +10570,7 @@
             </a:endParaRPr>
           </a:p>
           <a:p>
-            <a:r>
-              <a:rPr lang="es-AR" dirty="0" smtClean="0">
-                <a:effectLst>
-                  <a:outerShdw blurRad="38100" dist="38100" dir="2700000" algn="tl">
-                    <a:srgbClr val="000000">
-                      <a:alpha val="43137"/>
-                    </a:srgbClr>
-                  </a:outerShdw>
-                </a:effectLst>
-              </a:rPr>
-              <a:t>Laboratorio de Computación II:</a:t>
-            </a:r>
-          </a:p>
-          <a:p>
-            <a:pPr lvl="1"/>
-            <a:r>
-              <a:rPr lang="es-AR" dirty="0" smtClean="0">
-                <a:effectLst>
-                  <a:outerShdw blurRad="38100" dist="38100" dir="2700000" algn="tl">
-                    <a:srgbClr val="000000">
-                      <a:alpha val="43137"/>
-                    </a:srgbClr>
-                  </a:outerShdw>
-                </a:effectLst>
-              </a:rPr>
-              <a:t>Cursada día Martes: </a:t>
-            </a:r>
-            <a:r>
-              <a:rPr lang="es-AR" dirty="0">
-                <a:effectLst>
-                  <a:outerShdw blurRad="38100" dist="38100" dir="2700000" algn="tl">
-                    <a:srgbClr val="000000">
-                      <a:alpha val="43137"/>
-                    </a:srgbClr>
-                  </a:outerShdw>
-                </a:effectLst>
-              </a:rPr>
-              <a:t>8 de Octubre y 19 de Noviembre </a:t>
-            </a:r>
-            <a:r>
-              <a:rPr lang="es-AR" dirty="0" smtClean="0">
-                <a:effectLst>
-                  <a:outerShdw blurRad="38100" dist="38100" dir="2700000" algn="tl">
-                    <a:srgbClr val="000000">
-                      <a:alpha val="43137"/>
-                    </a:srgbClr>
-                  </a:outerShdw>
-                </a:effectLst>
-              </a:rPr>
-              <a:t>18:30hs</a:t>
-            </a:r>
-          </a:p>
-          <a:p>
-            <a:pPr lvl="1"/>
-            <a:r>
-              <a:rPr lang="es-AR" dirty="0" smtClean="0">
-                <a:effectLst>
-                  <a:outerShdw blurRad="38100" dist="38100" dir="2700000" algn="tl">
-                    <a:srgbClr val="000000">
-                      <a:alpha val="43137"/>
-                    </a:srgbClr>
-                  </a:outerShdw>
-                </a:effectLst>
-              </a:rPr>
-              <a:t>Cursada día Jueves: </a:t>
-            </a:r>
-            <a:r>
-              <a:rPr lang="es-AR" dirty="0" smtClean="0">
-                <a:effectLst>
-                  <a:outerShdw blurRad="38100" dist="38100" dir="2700000" algn="tl">
-                    <a:srgbClr val="000000">
-                      <a:alpha val="43137"/>
-                    </a:srgbClr>
-                  </a:outerShdw>
-                </a:effectLst>
-              </a:rPr>
-              <a:t>10 </a:t>
-            </a:r>
-            <a:r>
-              <a:rPr lang="es-AR" dirty="0">
-                <a:effectLst>
-                  <a:outerShdw blurRad="38100" dist="38100" dir="2700000" algn="tl">
-                    <a:srgbClr val="000000">
-                      <a:alpha val="43137"/>
-                    </a:srgbClr>
-                  </a:outerShdw>
-                </a:effectLst>
-              </a:rPr>
-              <a:t>de Octubre y </a:t>
-            </a:r>
-            <a:r>
-              <a:rPr lang="es-AR" dirty="0" smtClean="0">
-                <a:effectLst>
-                  <a:outerShdw blurRad="38100" dist="38100" dir="2700000" algn="tl">
-                    <a:srgbClr val="000000">
-                      <a:alpha val="43137"/>
-                    </a:srgbClr>
-                  </a:outerShdw>
-                </a:effectLst>
-              </a:rPr>
-              <a:t>21 </a:t>
-            </a:r>
-            <a:r>
-              <a:rPr lang="es-AR" dirty="0">
-                <a:effectLst>
-                  <a:outerShdw blurRad="38100" dist="38100" dir="2700000" algn="tl">
-                    <a:srgbClr val="000000">
-                      <a:alpha val="43137"/>
-                    </a:srgbClr>
-                  </a:outerShdw>
-                </a:effectLst>
-              </a:rPr>
-              <a:t>de Noviembre </a:t>
-            </a:r>
-            <a:r>
-              <a:rPr lang="es-AR" dirty="0">
-                <a:effectLst>
-                  <a:outerShdw blurRad="38100" dist="38100" dir="2700000" algn="tl">
-                    <a:srgbClr val="000000">
-                      <a:alpha val="43137"/>
-                    </a:srgbClr>
-                  </a:outerShdw>
-                </a:effectLst>
-              </a:rPr>
-              <a:t>18:30hs</a:t>
-            </a:r>
+            <a:endParaRPr lang="es-AR" dirty="0"/>
           </a:p>
           <a:p>
             <a:endParaRPr lang="es-AR" dirty="0"/>
@@ -9622,7 +10580,7 @@
     </p:spTree>
     <p:extLst>
       <p:ext uri="{BB962C8B-B14F-4D97-AF65-F5344CB8AC3E}">
-        <p14:creationId xmlns:p14="http://schemas.microsoft.com/office/powerpoint/2010/main" val="195969333"/>
+        <p14:creationId xmlns:p14="http://schemas.microsoft.com/office/powerpoint/2010/main" val="118056550"/>
       </p:ext>
     </p:extLst>
   </p:cSld>
@@ -9673,7 +10631,7 @@
           <a:p>
             <a:r>
               <a:rPr lang="es-AR" dirty="0" smtClean="0"/>
-              <a:t>EXÁMENES FINALES</a:t>
+              <a:t>GUÍA DE EJERCICIOS</a:t>
             </a:r>
             <a:endParaRPr lang="es-AR" dirty="0"/>
           </a:p>
@@ -9689,12 +10647,7 @@
             <p:ph idx="1"/>
           </p:nvPr>
         </p:nvSpPr>
-        <p:spPr>
-          <a:xfrm>
-            <a:off x="680321" y="2336873"/>
-            <a:ext cx="9613861" cy="3739462"/>
-          </a:xfrm>
-        </p:spPr>
+        <p:spPr/>
         <p:txBody>
           <a:bodyPr>
             <a:normAutofit/>
@@ -9702,7 +10655,7 @@
           <a:lstStyle/>
           <a:p>
             <a:r>
-              <a:rPr lang="es-AR" dirty="0" smtClean="0">
+              <a:rPr lang="es-AR" sz="2800" dirty="0" smtClean="0">
                 <a:effectLst>
                   <a:outerShdw blurRad="38100" dist="38100" dir="2700000" algn="tl">
                     <a:srgbClr val="000000">
@@ -9711,13 +10664,23 @@
                   </a:outerShdw>
                 </a:effectLst>
               </a:rPr>
-              <a:t>Programación II:</a:t>
-            </a:r>
-          </a:p>
-          <a:p>
-            <a:pPr lvl="1"/>
-            <a:r>
-              <a:rPr lang="es-AR" dirty="0" smtClean="0">
+              <a:t>En el Campus se podrá encontrar una Guía propuesta de ejercicios.</a:t>
+            </a:r>
+          </a:p>
+          <a:p>
+            <a:endParaRPr lang="es-AR" sz="2800" dirty="0" smtClean="0">
+              <a:effectLst>
+                <a:outerShdw blurRad="38100" dist="38100" dir="2700000" algn="tl">
+                  <a:srgbClr val="000000">
+                    <a:alpha val="43137"/>
+                  </a:srgbClr>
+                </a:outerShdw>
+              </a:effectLst>
+            </a:endParaRPr>
+          </a:p>
+          <a:p>
+            <a:r>
+              <a:rPr lang="es-AR" sz="2800" dirty="0" smtClean="0">
                 <a:effectLst>
                   <a:outerShdw blurRad="38100" dist="38100" dir="2700000" algn="tl">
                     <a:srgbClr val="000000">
@@ -9726,171 +10689,9 @@
                   </a:outerShdw>
                 </a:effectLst>
               </a:rPr>
-              <a:t>Martes </a:t>
-            </a:r>
-            <a:r>
-              <a:rPr lang="es-AR" dirty="0" smtClean="0">
-                <a:effectLst>
-                  <a:outerShdw blurRad="38100" dist="38100" dir="2700000" algn="tl">
-                    <a:srgbClr val="000000">
-                      <a:alpha val="43137"/>
-                    </a:srgbClr>
-                  </a:outerShdw>
-                </a:effectLst>
-              </a:rPr>
-              <a:t>10 </a:t>
-            </a:r>
-            <a:r>
-              <a:rPr lang="es-AR" dirty="0" smtClean="0">
-                <a:effectLst>
-                  <a:outerShdw blurRad="38100" dist="38100" dir="2700000" algn="tl">
-                    <a:srgbClr val="000000">
-                      <a:alpha val="43137"/>
-                    </a:srgbClr>
-                  </a:outerShdw>
-                </a:effectLst>
-              </a:rPr>
-              <a:t>y </a:t>
-            </a:r>
-            <a:r>
-              <a:rPr lang="es-AR" dirty="0" smtClean="0">
-                <a:effectLst>
-                  <a:outerShdw blurRad="38100" dist="38100" dir="2700000" algn="tl">
-                    <a:srgbClr val="000000">
-                      <a:alpha val="43137"/>
-                    </a:srgbClr>
-                  </a:outerShdw>
-                </a:effectLst>
-              </a:rPr>
-              <a:t>17 </a:t>
-            </a:r>
-            <a:r>
-              <a:rPr lang="es-AR" dirty="0" smtClean="0">
-                <a:effectLst>
-                  <a:outerShdw blurRad="38100" dist="38100" dir="2700000" algn="tl">
-                    <a:srgbClr val="000000">
-                      <a:alpha val="43137"/>
-                    </a:srgbClr>
-                  </a:outerShdw>
-                </a:effectLst>
-              </a:rPr>
-              <a:t>de </a:t>
-            </a:r>
-            <a:r>
-              <a:rPr lang="es-AR" dirty="0" smtClean="0">
-                <a:effectLst>
-                  <a:outerShdw blurRad="38100" dist="38100" dir="2700000" algn="tl">
-                    <a:srgbClr val="000000">
-                      <a:alpha val="43137"/>
-                    </a:srgbClr>
-                  </a:outerShdw>
-                </a:effectLst>
-              </a:rPr>
-              <a:t>diciembre </a:t>
-            </a:r>
-            <a:r>
-              <a:rPr lang="es-AR" dirty="0" smtClean="0">
-                <a:effectLst>
-                  <a:outerShdw blurRad="38100" dist="38100" dir="2700000" algn="tl">
-                    <a:srgbClr val="000000">
-                      <a:alpha val="43137"/>
-                    </a:srgbClr>
-                  </a:outerShdw>
-                </a:effectLst>
-              </a:rPr>
-              <a:t>(</a:t>
-            </a:r>
-            <a:r>
-              <a:rPr lang="es-AR" dirty="0" smtClean="0">
-                <a:effectLst>
-                  <a:outerShdw blurRad="38100" dist="38100" dir="2700000" algn="tl">
-                    <a:srgbClr val="000000">
-                      <a:alpha val="43137"/>
-                    </a:srgbClr>
-                  </a:outerShdw>
-                </a:effectLst>
-              </a:rPr>
-              <a:t>válidas para </a:t>
-            </a:r>
-            <a:r>
-              <a:rPr lang="es-AR" dirty="0" err="1" smtClean="0">
-                <a:effectLst>
-                  <a:outerShdw blurRad="38100" dist="38100" dir="2700000" algn="tl">
-                    <a:srgbClr val="000000">
-                      <a:alpha val="43137"/>
-                    </a:srgbClr>
-                  </a:outerShdw>
-                </a:effectLst>
-              </a:rPr>
-              <a:t>recuperatorio</a:t>
-            </a:r>
-            <a:r>
-              <a:rPr lang="es-AR" dirty="0" smtClean="0">
-                <a:effectLst>
-                  <a:outerShdw blurRad="38100" dist="38100" dir="2700000" algn="tl">
-                    <a:srgbClr val="000000">
-                      <a:alpha val="43137"/>
-                    </a:srgbClr>
-                  </a:outerShdw>
-                </a:effectLst>
-              </a:rPr>
-              <a:t> de parciales)</a:t>
-            </a:r>
-          </a:p>
-          <a:p>
-            <a:pPr lvl="1"/>
-            <a:r>
-              <a:rPr lang="es-AR" dirty="0">
-                <a:effectLst>
-                  <a:outerShdw blurRad="38100" dist="38100" dir="2700000" algn="tl">
-                    <a:srgbClr val="000000">
-                      <a:alpha val="43137"/>
-                    </a:srgbClr>
-                  </a:outerShdw>
-                </a:effectLst>
-              </a:rPr>
-              <a:t>17 al 29 de </a:t>
-            </a:r>
-            <a:r>
-              <a:rPr lang="es-AR" dirty="0" smtClean="0">
-                <a:effectLst>
-                  <a:outerShdw blurRad="38100" dist="38100" dir="2700000" algn="tl">
-                    <a:srgbClr val="000000">
-                      <a:alpha val="43137"/>
-                    </a:srgbClr>
-                  </a:outerShdw>
-                </a:effectLst>
-              </a:rPr>
-              <a:t>Febrero (</a:t>
-            </a:r>
-            <a:r>
-              <a:rPr lang="es-AR" dirty="0">
-                <a:effectLst>
-                  <a:outerShdw blurRad="38100" dist="38100" dir="2700000" algn="tl">
-                    <a:srgbClr val="000000">
-                      <a:alpha val="43137"/>
-                    </a:srgbClr>
-                  </a:outerShdw>
-                </a:effectLst>
-              </a:rPr>
-              <a:t>sólo </a:t>
-            </a:r>
-            <a:r>
-              <a:rPr lang="es-AR" dirty="0" smtClean="0">
-                <a:effectLst>
-                  <a:outerShdw blurRad="38100" dist="38100" dir="2700000" algn="tl">
-                    <a:srgbClr val="000000">
-                      <a:alpha val="43137"/>
-                    </a:srgbClr>
-                  </a:outerShdw>
-                </a:effectLst>
-              </a:rPr>
-              <a:t>finales)</a:t>
-            </a:r>
-          </a:p>
-          <a:p>
-            <a:pPr lvl="1"/>
-            <a:endParaRPr lang="es-AR" dirty="0" smtClean="0">
+              <a:t>Esta Guía puede ser modificada a lo largo de la cursada.</a:t>
+            </a:r>
+            <a:endParaRPr lang="es-AR" sz="2800" dirty="0">
               <a:effectLst>
                 <a:outerShdw blurRad="38100" dist="38100" dir="2700000" algn="tl">
                   <a:srgbClr val="000000">
@@ -9900,180 +10701,12 @@
               </a:effectLst>
             </a:endParaRPr>
           </a:p>
-          <a:p>
-            <a:r>
-              <a:rPr lang="es-AR" dirty="0" smtClean="0">
-                <a:effectLst>
-                  <a:outerShdw blurRad="38100" dist="38100" dir="2700000" algn="tl">
-                    <a:srgbClr val="000000">
-                      <a:alpha val="43137"/>
-                    </a:srgbClr>
-                  </a:outerShdw>
-                </a:effectLst>
-              </a:rPr>
-              <a:t>Laboratorio II:</a:t>
-            </a:r>
-          </a:p>
-          <a:p>
-            <a:pPr lvl="1"/>
-            <a:r>
-              <a:rPr lang="es-AR" dirty="0" smtClean="0">
-                <a:effectLst>
-                  <a:outerShdw blurRad="38100" dist="38100" dir="2700000" algn="tl">
-                    <a:srgbClr val="000000">
-                      <a:alpha val="43137"/>
-                    </a:srgbClr>
-                  </a:outerShdw>
-                </a:effectLst>
-              </a:rPr>
-              <a:t>Jueves </a:t>
-            </a:r>
-            <a:r>
-              <a:rPr lang="es-AR" dirty="0" smtClean="0">
-                <a:effectLst>
-                  <a:outerShdw blurRad="38100" dist="38100" dir="2700000" algn="tl">
-                    <a:srgbClr val="000000">
-                      <a:alpha val="43137"/>
-                    </a:srgbClr>
-                  </a:outerShdw>
-                </a:effectLst>
-              </a:rPr>
-              <a:t>12 </a:t>
-            </a:r>
-            <a:r>
-              <a:rPr lang="es-AR" dirty="0" smtClean="0">
-                <a:effectLst>
-                  <a:outerShdw blurRad="38100" dist="38100" dir="2700000" algn="tl">
-                    <a:srgbClr val="000000">
-                      <a:alpha val="43137"/>
-                    </a:srgbClr>
-                  </a:outerShdw>
-                </a:effectLst>
-              </a:rPr>
-              <a:t>y </a:t>
-            </a:r>
-            <a:r>
-              <a:rPr lang="es-AR" dirty="0" smtClean="0">
-                <a:effectLst>
-                  <a:outerShdw blurRad="38100" dist="38100" dir="2700000" algn="tl">
-                    <a:srgbClr val="000000">
-                      <a:alpha val="43137"/>
-                    </a:srgbClr>
-                  </a:outerShdw>
-                </a:effectLst>
-              </a:rPr>
-              <a:t>19 </a:t>
-            </a:r>
-            <a:r>
-              <a:rPr lang="es-AR" dirty="0" smtClean="0">
-                <a:effectLst>
-                  <a:outerShdw blurRad="38100" dist="38100" dir="2700000" algn="tl">
-                    <a:srgbClr val="000000">
-                      <a:alpha val="43137"/>
-                    </a:srgbClr>
-                  </a:outerShdw>
-                </a:effectLst>
-              </a:rPr>
-              <a:t>de </a:t>
-            </a:r>
-            <a:r>
-              <a:rPr lang="es-AR" dirty="0">
-                <a:effectLst>
-                  <a:outerShdw blurRad="38100" dist="38100" dir="2700000" algn="tl">
-                    <a:srgbClr val="000000">
-                      <a:alpha val="43137"/>
-                    </a:srgbClr>
-                  </a:outerShdw>
-                </a:effectLst>
-              </a:rPr>
-              <a:t>diciembre (</a:t>
-            </a:r>
-            <a:r>
-              <a:rPr lang="es-AR" dirty="0" smtClean="0">
-                <a:effectLst>
-                  <a:outerShdw blurRad="38100" dist="38100" dir="2700000" algn="tl">
-                    <a:srgbClr val="000000">
-                      <a:alpha val="43137"/>
-                    </a:srgbClr>
-                  </a:outerShdw>
-                </a:effectLst>
-              </a:rPr>
-              <a:t>válidas para </a:t>
-            </a:r>
-            <a:r>
-              <a:rPr lang="es-AR" dirty="0" err="1">
-                <a:effectLst>
-                  <a:outerShdw blurRad="38100" dist="38100" dir="2700000" algn="tl">
-                    <a:srgbClr val="000000">
-                      <a:alpha val="43137"/>
-                    </a:srgbClr>
-                  </a:outerShdw>
-                </a:effectLst>
-              </a:rPr>
-              <a:t>recuperatorio</a:t>
-            </a:r>
-            <a:r>
-              <a:rPr lang="es-AR" dirty="0">
-                <a:effectLst>
-                  <a:outerShdw blurRad="38100" dist="38100" dir="2700000" algn="tl">
-                    <a:srgbClr val="000000">
-                      <a:alpha val="43137"/>
-                    </a:srgbClr>
-                  </a:outerShdw>
-                </a:effectLst>
-              </a:rPr>
-              <a:t> de </a:t>
-            </a:r>
-            <a:r>
-              <a:rPr lang="es-AR" dirty="0" smtClean="0">
-                <a:effectLst>
-                  <a:outerShdw blurRad="38100" dist="38100" dir="2700000" algn="tl">
-                    <a:srgbClr val="000000">
-                      <a:alpha val="43137"/>
-                    </a:srgbClr>
-                  </a:outerShdw>
-                </a:effectLst>
-              </a:rPr>
-              <a:t>parciales)</a:t>
-            </a:r>
-          </a:p>
-          <a:p>
-            <a:pPr lvl="1"/>
-            <a:r>
-              <a:rPr lang="es-AR" dirty="0" smtClean="0">
-                <a:effectLst>
-                  <a:outerShdw blurRad="38100" dist="38100" dir="2700000" algn="tl">
-                    <a:srgbClr val="000000">
-                      <a:alpha val="43137"/>
-                    </a:srgbClr>
-                  </a:outerShdw>
-                </a:effectLst>
-              </a:rPr>
-              <a:t>17 al 29 de Febrero (sólo </a:t>
-            </a:r>
-            <a:r>
-              <a:rPr lang="es-AR" dirty="0" smtClean="0">
-                <a:effectLst>
-                  <a:outerShdw blurRad="38100" dist="38100" dir="2700000" algn="tl">
-                    <a:srgbClr val="000000">
-                      <a:alpha val="43137"/>
-                    </a:srgbClr>
-                  </a:outerShdw>
-                </a:effectLst>
-              </a:rPr>
-              <a:t>finales)</a:t>
-            </a:r>
-            <a:endParaRPr lang="es-AR" dirty="0"/>
-          </a:p>
-          <a:p>
-            <a:endParaRPr lang="es-AR" dirty="0"/>
-          </a:p>
         </p:txBody>
       </p:sp>
     </p:spTree>
     <p:extLst>
       <p:ext uri="{BB962C8B-B14F-4D97-AF65-F5344CB8AC3E}">
-        <p14:creationId xmlns:p14="http://schemas.microsoft.com/office/powerpoint/2010/main" val="3740102284"/>
+        <p14:creationId xmlns:p14="http://schemas.microsoft.com/office/powerpoint/2010/main" val="2382211408"/>
       </p:ext>
     </p:extLst>
   </p:cSld>
@@ -10124,7 +10757,7 @@
           <a:p>
             <a:r>
               <a:rPr lang="es-AR" dirty="0" smtClean="0"/>
-              <a:t>TRABAJOS PRÁCTICOS</a:t>
+              <a:t>EXÁMENES PARCIALES</a:t>
             </a:r>
             <a:endParaRPr lang="es-AR" dirty="0"/>
           </a:p>
@@ -10140,16 +10773,9 @@
             <p:ph idx="1"/>
           </p:nvPr>
         </p:nvSpPr>
-        <p:spPr>
-          <a:xfrm>
-            <a:off x="680321" y="2336872"/>
-            <a:ext cx="9613861" cy="4063927"/>
-          </a:xfrm>
-        </p:spPr>
-        <p:txBody>
-          <a:bodyPr>
-            <a:normAutofit fontScale="92500" lnSpcReduction="10000"/>
-          </a:bodyPr>
+        <p:spPr/>
+        <p:txBody>
+          <a:bodyPr/>
           <a:lstStyle/>
           <a:p>
             <a:r>
@@ -10162,7 +10788,100 @@
                   </a:outerShdw>
                 </a:effectLst>
               </a:rPr>
-              <a:t>Fecha </a:t>
+              <a:t>Fechas </a:t>
+            </a:r>
+            <a:r>
+              <a:rPr lang="es-AR" u="sng" dirty="0" smtClean="0">
+                <a:effectLst>
+                  <a:outerShdw blurRad="38100" dist="38100" dir="2700000" algn="tl">
+                    <a:srgbClr val="000000">
+                      <a:alpha val="43137"/>
+                    </a:srgbClr>
+                  </a:outerShdw>
+                </a:effectLst>
+              </a:rPr>
+              <a:t>tentativas</a:t>
+            </a:r>
+            <a:r>
+              <a:rPr lang="es-AR" dirty="0" smtClean="0">
+                <a:effectLst>
+                  <a:outerShdw blurRad="38100" dist="38100" dir="2700000" algn="tl">
+                    <a:srgbClr val="000000">
+                      <a:alpha val="43137"/>
+                    </a:srgbClr>
+                  </a:outerShdw>
+                </a:effectLst>
+              </a:rPr>
+              <a:t> de examen (podrán cambiar durante la cursada)</a:t>
+            </a:r>
+          </a:p>
+          <a:p>
+            <a:r>
+              <a:rPr lang="es-AR" dirty="0" smtClean="0">
+                <a:effectLst>
+                  <a:outerShdw blurRad="38100" dist="38100" dir="2700000" algn="tl">
+                    <a:srgbClr val="000000">
+                      <a:alpha val="43137"/>
+                    </a:srgbClr>
+                  </a:outerShdw>
+                </a:effectLst>
+              </a:rPr>
+              <a:t>Programación II</a:t>
+            </a:r>
+          </a:p>
+          <a:p>
+            <a:pPr lvl="1"/>
+            <a:r>
+              <a:rPr lang="es-AR" dirty="0" smtClean="0">
+                <a:effectLst>
+                  <a:outerShdw blurRad="38100" dist="38100" dir="2700000" algn="tl">
+                    <a:srgbClr val="000000">
+                      <a:alpha val="43137"/>
+                    </a:srgbClr>
+                  </a:outerShdw>
+                </a:effectLst>
+              </a:rPr>
+              <a:t>Cursada día Miércoles: 9 de Octubre y 20 de Noviembre 18:30hs</a:t>
+            </a:r>
+          </a:p>
+          <a:p>
+            <a:endParaRPr lang="es-AR" dirty="0" smtClean="0">
+              <a:effectLst>
+                <a:outerShdw blurRad="38100" dist="38100" dir="2700000" algn="tl">
+                  <a:srgbClr val="000000">
+                    <a:alpha val="43137"/>
+                  </a:srgbClr>
+                </a:outerShdw>
+              </a:effectLst>
+            </a:endParaRPr>
+          </a:p>
+          <a:p>
+            <a:r>
+              <a:rPr lang="es-AR" dirty="0" smtClean="0">
+                <a:effectLst>
+                  <a:outerShdw blurRad="38100" dist="38100" dir="2700000" algn="tl">
+                    <a:srgbClr val="000000">
+                      <a:alpha val="43137"/>
+                    </a:srgbClr>
+                  </a:outerShdw>
+                </a:effectLst>
+              </a:rPr>
+              <a:t>Laboratorio de Computación II:</a:t>
+            </a:r>
+          </a:p>
+          <a:p>
+            <a:pPr lvl="1"/>
+            <a:r>
+              <a:rPr lang="es-AR" dirty="0" smtClean="0">
+                <a:effectLst>
+                  <a:outerShdw blurRad="38100" dist="38100" dir="2700000" algn="tl">
+                    <a:srgbClr val="000000">
+                      <a:alpha val="43137"/>
+                    </a:srgbClr>
+                  </a:outerShdw>
+                </a:effectLst>
+              </a:rPr>
+              <a:t>Cursada día Martes: </a:t>
             </a:r>
             <a:r>
               <a:rPr lang="es-AR" dirty="0">
@@ -10174,7 +10893,7 @@
                   </a:outerShdw>
                 </a:effectLst>
               </a:rPr>
-              <a:t>límite de publicación en </a:t>
+              <a:t>8 de Octubre y 19 de Noviembre </a:t>
             </a:r>
             <a:r>
               <a:rPr lang="es-AR" dirty="0" smtClean="0">
@@ -10186,270 +10905,11 @@
                   </a:outerShdw>
                 </a:effectLst>
               </a:rPr>
-              <a:t>GIT:</a:t>
-            </a:r>
-            <a:endParaRPr lang="es-AR" dirty="0">
-              <a:effectLst>
-                <a:outerShdw blurRad="38100" dist="38100" dir="2700000" algn="tl">
-                  <a:srgbClr val="000000">
-                    <a:alpha val="43137"/>
-                  </a:srgbClr>
-                </a:outerShdw>
-              </a:effectLst>
-            </a:endParaRPr>
+              <a:t>18:30hs</a:t>
+            </a:r>
           </a:p>
           <a:p>
             <a:pPr lvl="1"/>
-            <a:r>
-              <a:rPr lang="es-AR" b="1" dirty="0" smtClean="0">
-                <a:effectLst>
-                  <a:outerShdw blurRad="38100" dist="38100" dir="2700000" algn="tl">
-                    <a:srgbClr val="000000">
-                      <a:alpha val="43137"/>
-                    </a:srgbClr>
-                  </a:outerShdw>
-                </a:effectLst>
-              </a:rPr>
-              <a:t>TP1 – </a:t>
-            </a:r>
-            <a:r>
-              <a:rPr lang="es-AR" b="1" dirty="0" smtClean="0">
-                <a:effectLst>
-                  <a:outerShdw blurRad="38100" dist="38100" dir="2700000" algn="tl">
-                    <a:srgbClr val="000000">
-                      <a:alpha val="43137"/>
-                    </a:srgbClr>
-                  </a:outerShdw>
-                </a:effectLst>
-              </a:rPr>
-              <a:t>16 de septiembre </a:t>
-            </a:r>
-            <a:r>
-              <a:rPr lang="es-AR" b="1" dirty="0" smtClean="0">
-                <a:effectLst>
-                  <a:outerShdw blurRad="38100" dist="38100" dir="2700000" algn="tl">
-                    <a:srgbClr val="000000">
-                      <a:alpha val="43137"/>
-                    </a:srgbClr>
-                  </a:outerShdw>
-                </a:effectLst>
-              </a:rPr>
-              <a:t>10</a:t>
-            </a:r>
-            <a:r>
-              <a:rPr lang="es-AR" b="1" dirty="0">
-                <a:effectLst>
-                  <a:outerShdw blurRad="38100" dist="38100" dir="2700000" algn="tl">
-                    <a:srgbClr val="000000">
-                      <a:alpha val="43137"/>
-                    </a:srgbClr>
-                  </a:outerShdw>
-                </a:effectLst>
-              </a:rPr>
-              <a:t> a.m.</a:t>
-            </a:r>
-          </a:p>
-          <a:p>
-            <a:pPr lvl="1"/>
-            <a:r>
-              <a:rPr lang="es-AR" b="1" dirty="0">
-                <a:effectLst>
-                  <a:outerShdw blurRad="38100" dist="38100" dir="2700000" algn="tl">
-                    <a:srgbClr val="000000">
-                      <a:alpha val="43137"/>
-                    </a:srgbClr>
-                  </a:outerShdw>
-                </a:effectLst>
-              </a:rPr>
-              <a:t>TP2 </a:t>
-            </a:r>
-            <a:r>
-              <a:rPr lang="es-AR" b="1" dirty="0" smtClean="0">
-                <a:effectLst>
-                  <a:outerShdw blurRad="38100" dist="38100" dir="2700000" algn="tl">
-                    <a:srgbClr val="000000">
-                      <a:alpha val="43137"/>
-                    </a:srgbClr>
-                  </a:outerShdw>
-                </a:effectLst>
-              </a:rPr>
-              <a:t>– </a:t>
-            </a:r>
-            <a:r>
-              <a:rPr lang="es-AR" b="1" dirty="0" smtClean="0">
-                <a:effectLst>
-                  <a:outerShdw blurRad="38100" dist="38100" dir="2700000" algn="tl">
-                    <a:srgbClr val="000000">
-                      <a:alpha val="43137"/>
-                    </a:srgbClr>
-                  </a:outerShdw>
-                </a:effectLst>
-              </a:rPr>
-              <a:t>07 de octubre </a:t>
-            </a:r>
-            <a:r>
-              <a:rPr lang="es-AR" b="1" dirty="0" smtClean="0">
-                <a:effectLst>
-                  <a:outerShdw blurRad="38100" dist="38100" dir="2700000" algn="tl">
-                    <a:srgbClr val="000000">
-                      <a:alpha val="43137"/>
-                    </a:srgbClr>
-                  </a:outerShdw>
-                </a:effectLst>
-              </a:rPr>
-              <a:t>10</a:t>
-            </a:r>
-            <a:r>
-              <a:rPr lang="es-AR" b="1" dirty="0">
-                <a:effectLst>
-                  <a:outerShdw blurRad="38100" dist="38100" dir="2700000" algn="tl">
-                    <a:srgbClr val="000000">
-                      <a:alpha val="43137"/>
-                    </a:srgbClr>
-                  </a:outerShdw>
-                </a:effectLst>
-              </a:rPr>
-              <a:t> a.m.</a:t>
-            </a:r>
-          </a:p>
-          <a:p>
-            <a:pPr lvl="1"/>
-            <a:r>
-              <a:rPr lang="es-AR" b="1" dirty="0">
-                <a:effectLst>
-                  <a:outerShdw blurRad="38100" dist="38100" dir="2700000" algn="tl">
-                    <a:srgbClr val="000000">
-                      <a:alpha val="43137"/>
-                    </a:srgbClr>
-                  </a:outerShdw>
-                </a:effectLst>
-              </a:rPr>
-              <a:t>TP3 </a:t>
-            </a:r>
-            <a:r>
-              <a:rPr lang="es-AR" b="1" dirty="0" smtClean="0">
-                <a:effectLst>
-                  <a:outerShdw blurRad="38100" dist="38100" dir="2700000" algn="tl">
-                    <a:srgbClr val="000000">
-                      <a:alpha val="43137"/>
-                    </a:srgbClr>
-                  </a:outerShdw>
-                </a:effectLst>
-              </a:rPr>
-              <a:t>– </a:t>
-            </a:r>
-            <a:r>
-              <a:rPr lang="es-AR" b="1" dirty="0" smtClean="0">
-                <a:effectLst>
-                  <a:outerShdw blurRad="38100" dist="38100" dir="2700000" algn="tl">
-                    <a:srgbClr val="000000">
-                      <a:alpha val="43137"/>
-                    </a:srgbClr>
-                  </a:outerShdw>
-                </a:effectLst>
-              </a:rPr>
-              <a:t>04 de noviembre 10 </a:t>
-            </a:r>
-            <a:r>
-              <a:rPr lang="es-AR" b="1" dirty="0">
-                <a:effectLst>
-                  <a:outerShdw blurRad="38100" dist="38100" dir="2700000" algn="tl">
-                    <a:srgbClr val="000000">
-                      <a:alpha val="43137"/>
-                    </a:srgbClr>
-                  </a:outerShdw>
-                </a:effectLst>
-              </a:rPr>
-              <a:t>a.m.</a:t>
-            </a:r>
-          </a:p>
-          <a:p>
-            <a:pPr lvl="1"/>
-            <a:r>
-              <a:rPr lang="es-AR" b="1" dirty="0">
-                <a:effectLst>
-                  <a:outerShdw blurRad="38100" dist="38100" dir="2700000" algn="tl">
-                    <a:srgbClr val="000000">
-                      <a:alpha val="43137"/>
-                    </a:srgbClr>
-                  </a:outerShdw>
-                </a:effectLst>
-              </a:rPr>
-              <a:t>TP4 </a:t>
-            </a:r>
-            <a:r>
-              <a:rPr lang="es-AR" b="1" dirty="0" smtClean="0">
-                <a:effectLst>
-                  <a:outerShdw blurRad="38100" dist="38100" dir="2700000" algn="tl">
-                    <a:srgbClr val="000000">
-                      <a:alpha val="43137"/>
-                    </a:srgbClr>
-                  </a:outerShdw>
-                </a:effectLst>
-              </a:rPr>
-              <a:t>– </a:t>
-            </a:r>
-            <a:r>
-              <a:rPr lang="es-AR" b="1" dirty="0" smtClean="0">
-                <a:effectLst>
-                  <a:outerShdw blurRad="38100" dist="38100" dir="2700000" algn="tl">
-                    <a:srgbClr val="000000">
-                      <a:alpha val="43137"/>
-                    </a:srgbClr>
-                  </a:outerShdw>
-                </a:effectLst>
-              </a:rPr>
-              <a:t>29 </a:t>
-            </a:r>
-            <a:r>
-              <a:rPr lang="es-AR" b="1" dirty="0" smtClean="0">
-                <a:effectLst>
-                  <a:outerShdw blurRad="38100" dist="38100" dir="2700000" algn="tl">
-                    <a:srgbClr val="000000">
-                      <a:alpha val="43137"/>
-                    </a:srgbClr>
-                  </a:outerShdw>
-                </a:effectLst>
-              </a:rPr>
-              <a:t>de </a:t>
-            </a:r>
-            <a:r>
-              <a:rPr lang="es-AR" b="1" dirty="0">
-                <a:effectLst>
-                  <a:outerShdw blurRad="38100" dist="38100" dir="2700000" algn="tl">
-                    <a:srgbClr val="000000">
-                      <a:alpha val="43137"/>
-                    </a:srgbClr>
-                  </a:outerShdw>
-                </a:effectLst>
-              </a:rPr>
-              <a:t>noviembre 10 </a:t>
-            </a:r>
-            <a:r>
-              <a:rPr lang="es-AR" b="1" dirty="0" smtClean="0">
-                <a:effectLst>
-                  <a:outerShdw blurRad="38100" dist="38100" dir="2700000" algn="tl">
-                    <a:srgbClr val="000000">
-                      <a:alpha val="43137"/>
-                    </a:srgbClr>
-                  </a:outerShdw>
-                </a:effectLst>
-              </a:rPr>
-              <a:t>a.m.</a:t>
-            </a:r>
-          </a:p>
-          <a:p>
-            <a:endParaRPr lang="es-AR" dirty="0">
-              <a:effectLst>
-                <a:outerShdw blurRad="38100" dist="38100" dir="2700000" algn="tl">
-                  <a:srgbClr val="000000">
-                    <a:alpha val="43137"/>
-                  </a:srgbClr>
-                </a:outerShdw>
-              </a:effectLst>
-            </a:endParaRPr>
-          </a:p>
-          <a:p>
             <a:r>
               <a:rPr lang="es-AR" dirty="0" smtClean="0">
                 <a:effectLst>
@@ -10460,10 +10920,10 @@
                   </a:outerShdw>
                 </a:effectLst>
               </a:rPr>
-              <a:t>1er </a:t>
-            </a:r>
-            <a:r>
-              <a:rPr lang="es-AR" dirty="0" err="1" smtClean="0">
+              <a:t>Cursada día Jueves: 10 </a:t>
+            </a:r>
+            <a:r>
+              <a:rPr lang="es-AR" dirty="0">
                 <a:effectLst>
                   <a:outerShdw blurRad="38100" dist="38100" dir="2700000" algn="tl">
                     <a:srgbClr val="000000">
@@ -10472,7 +10932,7 @@
                   </a:outerShdw>
                 </a:effectLst>
               </a:rPr>
-              <a:t>recuperatorio</a:t>
+              <a:t>de Octubre y </a:t>
             </a:r>
             <a:r>
               <a:rPr lang="es-AR" dirty="0" smtClean="0">
@@ -10484,19 +10944,7 @@
                   </a:outerShdw>
                 </a:effectLst>
               </a:rPr>
-              <a:t>: 8 de </a:t>
-            </a:r>
-            <a:r>
-              <a:rPr lang="es-AR" dirty="0" smtClean="0">
-                <a:effectLst>
-                  <a:outerShdw blurRad="38100" dist="38100" dir="2700000" algn="tl">
-                    <a:srgbClr val="000000">
-                      <a:alpha val="43137"/>
-                    </a:srgbClr>
-                  </a:outerShdw>
-                </a:effectLst>
-              </a:rPr>
-              <a:t>diciembre 10 </a:t>
+              <a:t>21 </a:t>
             </a:r>
             <a:r>
               <a:rPr lang="es-AR" dirty="0">
@@ -10508,197 +10956,8 @@
                   </a:outerShdw>
                 </a:effectLst>
               </a:rPr>
-              <a:t>a.m.</a:t>
-            </a:r>
-            <a:endParaRPr lang="es-AR" dirty="0" smtClean="0">
-              <a:effectLst>
-                <a:outerShdw blurRad="38100" dist="38100" dir="2700000" algn="tl">
-                  <a:srgbClr val="000000">
-                    <a:alpha val="43137"/>
-                  </a:srgbClr>
-                </a:outerShdw>
-              </a:effectLst>
-            </a:endParaRPr>
-          </a:p>
-          <a:p>
-            <a:r>
-              <a:rPr lang="es-AR" dirty="0" smtClean="0">
-                <a:effectLst>
-                  <a:outerShdw blurRad="38100" dist="38100" dir="2700000" algn="tl">
-                    <a:srgbClr val="000000">
-                      <a:alpha val="43137"/>
-                    </a:srgbClr>
-                  </a:outerShdw>
-                </a:effectLst>
-              </a:rPr>
-              <a:t>2do </a:t>
-            </a:r>
-            <a:r>
-              <a:rPr lang="es-AR" dirty="0" err="1" smtClean="0">
-                <a:effectLst>
-                  <a:outerShdw blurRad="38100" dist="38100" dir="2700000" algn="tl">
-                    <a:srgbClr val="000000">
-                      <a:alpha val="43137"/>
-                    </a:srgbClr>
-                  </a:outerShdw>
-                </a:effectLst>
-              </a:rPr>
-              <a:t>recuperatorio</a:t>
-            </a:r>
-            <a:r>
-              <a:rPr lang="es-AR" dirty="0">
-                <a:effectLst>
-                  <a:outerShdw blurRad="38100" dist="38100" dir="2700000" algn="tl">
-                    <a:srgbClr val="000000">
-                      <a:alpha val="43137"/>
-                    </a:srgbClr>
-                  </a:outerShdw>
-                </a:effectLst>
-              </a:rPr>
-              <a:t>: </a:t>
-            </a:r>
-            <a:r>
-              <a:rPr lang="es-AR" dirty="0" smtClean="0">
-                <a:effectLst>
-                  <a:outerShdw blurRad="38100" dist="38100" dir="2700000" algn="tl">
-                    <a:srgbClr val="000000">
-                      <a:alpha val="43137"/>
-                    </a:srgbClr>
-                  </a:outerShdw>
-                </a:effectLst>
-              </a:rPr>
-              <a:t>11 </a:t>
-            </a:r>
-            <a:r>
-              <a:rPr lang="es-AR" dirty="0">
-                <a:effectLst>
-                  <a:outerShdw blurRad="38100" dist="38100" dir="2700000" algn="tl">
-                    <a:srgbClr val="000000">
-                      <a:alpha val="43137"/>
-                    </a:srgbClr>
-                  </a:outerShdw>
-                </a:effectLst>
-              </a:rPr>
-              <a:t>de </a:t>
-            </a:r>
-            <a:r>
-              <a:rPr lang="es-AR" dirty="0">
-                <a:effectLst>
-                  <a:outerShdw blurRad="38100" dist="38100" dir="2700000" algn="tl">
-                    <a:srgbClr val="000000">
-                      <a:alpha val="43137"/>
-                    </a:srgbClr>
-                  </a:outerShdw>
-                </a:effectLst>
-              </a:rPr>
-              <a:t>diciembre 10 </a:t>
-            </a:r>
-            <a:r>
-              <a:rPr lang="es-AR" dirty="0">
-                <a:effectLst>
-                  <a:outerShdw blurRad="38100" dist="38100" dir="2700000" algn="tl">
-                    <a:srgbClr val="000000">
-                      <a:alpha val="43137"/>
-                    </a:srgbClr>
-                  </a:outerShdw>
-                </a:effectLst>
-              </a:rPr>
-              <a:t>a.m.</a:t>
-            </a:r>
-            <a:endParaRPr lang="es-AR" dirty="0" smtClean="0">
-              <a:effectLst>
-                <a:outerShdw blurRad="38100" dist="38100" dir="2700000" algn="tl">
-                  <a:srgbClr val="000000">
-                    <a:alpha val="43137"/>
-                  </a:srgbClr>
-                </a:outerShdw>
-              </a:effectLst>
-            </a:endParaRPr>
-          </a:p>
-          <a:p>
-            <a:r>
-              <a:rPr lang="es-AR" dirty="0" smtClean="0">
-                <a:effectLst>
-                  <a:outerShdw blurRad="38100" dist="38100" dir="2700000" algn="tl">
-                    <a:srgbClr val="000000">
-                      <a:alpha val="43137"/>
-                    </a:srgbClr>
-                  </a:outerShdw>
-                </a:effectLst>
-              </a:rPr>
-              <a:t>Pasadas esas fechas y </a:t>
-            </a:r>
-            <a:r>
-              <a:rPr lang="es-AR" u="sng" dirty="0" smtClean="0">
-                <a:effectLst>
-                  <a:outerShdw blurRad="38100" dist="38100" dir="2700000" algn="tl">
-                    <a:srgbClr val="000000">
-                      <a:alpha val="43137"/>
-                    </a:srgbClr>
-                  </a:outerShdw>
-                </a:effectLst>
-              </a:rPr>
-              <a:t>horas</a:t>
-            </a:r>
-            <a:r>
-              <a:rPr lang="es-AR" dirty="0" smtClean="0">
-                <a:effectLst>
-                  <a:outerShdw blurRad="38100" dist="38100" dir="2700000" algn="tl">
-                    <a:srgbClr val="000000">
-                      <a:alpha val="43137"/>
-                    </a:srgbClr>
-                  </a:outerShdw>
-                </a:effectLst>
-              </a:rPr>
-              <a:t>, la cursada está desaprobada.</a:t>
-            </a:r>
-          </a:p>
-          <a:p>
-            <a:r>
-              <a:rPr lang="es-AR" dirty="0" smtClean="0">
-                <a:effectLst>
-                  <a:outerShdw blurRad="38100" dist="38100" dir="2700000" algn="tl">
-                    <a:srgbClr val="000000">
-                      <a:alpha val="43137"/>
-                    </a:srgbClr>
-                  </a:outerShdw>
-                </a:effectLst>
-              </a:rPr>
-              <a:t>Los </a:t>
-            </a:r>
-            <a:r>
-              <a:rPr lang="es-AR" dirty="0" err="1" smtClean="0">
-                <a:effectLst>
-                  <a:outerShdw blurRad="38100" dist="38100" dir="2700000" algn="tl">
-                    <a:srgbClr val="000000">
-                      <a:alpha val="43137"/>
-                    </a:srgbClr>
-                  </a:outerShdw>
-                </a:effectLst>
-              </a:rPr>
-              <a:t>TPs</a:t>
-            </a:r>
-            <a:r>
-              <a:rPr lang="es-AR" dirty="0" smtClean="0">
-                <a:effectLst>
-                  <a:outerShdw blurRad="38100" dist="38100" dir="2700000" algn="tl">
-                    <a:srgbClr val="000000">
-                      <a:alpha val="43137"/>
-                    </a:srgbClr>
-                  </a:outerShdw>
-                </a:effectLst>
-              </a:rPr>
-              <a:t> son individuales, no se realizan en grupo y la detección de copias será penada.</a:t>
-            </a:r>
-            <a:endParaRPr lang="es-AR" dirty="0">
-              <a:effectLst>
-                <a:outerShdw blurRad="38100" dist="38100" dir="2700000" algn="tl">
-                  <a:srgbClr val="000000">
-                    <a:alpha val="43137"/>
-                  </a:srgbClr>
-                </a:outerShdw>
-              </a:effectLst>
-            </a:endParaRPr>
+              <a:t>de Noviembre 18:30hs</a:t>
+            </a:r>
           </a:p>
           <a:p>
             <a:endParaRPr lang="es-AR" dirty="0"/>
@@ -10708,7 +10967,7 @@
     </p:spTree>
     <p:extLst>
       <p:ext uri="{BB962C8B-B14F-4D97-AF65-F5344CB8AC3E}">
-        <p14:creationId xmlns:p14="http://schemas.microsoft.com/office/powerpoint/2010/main" val="1146836028"/>
+        <p14:creationId xmlns:p14="http://schemas.microsoft.com/office/powerpoint/2010/main" val="195969333"/>
       </p:ext>
     </p:extLst>
   </p:cSld>
@@ -10759,7 +11018,7 @@
           <a:p>
             <a:r>
               <a:rPr lang="es-AR" dirty="0" smtClean="0"/>
-              <a:t>PROMOCIÓN</a:t>
+              <a:t>EXÁMENES FINALES</a:t>
             </a:r>
             <a:endParaRPr lang="es-AR" dirty="0"/>
           </a:p>
@@ -10777,8 +11036,8 @@
         </p:nvSpPr>
         <p:spPr>
           <a:xfrm>
-            <a:off x="680321" y="2336872"/>
-            <a:ext cx="9613861" cy="3739463"/>
+            <a:off x="680321" y="2336873"/>
+            <a:ext cx="9613861" cy="3739462"/>
           </a:xfrm>
         </p:spPr>
         <p:txBody>
@@ -10797,20 +11056,11 @@
                   </a:outerShdw>
                 </a:effectLst>
               </a:rPr>
-              <a:t>Desde comienzos de 2018</a:t>
-            </a:r>
-            <a:r>
-              <a:rPr lang="es-AR" dirty="0">
-                <a:effectLst>
-                  <a:outerShdw blurRad="38100" dist="38100" dir="2700000" algn="tl">
-                    <a:srgbClr val="000000">
-                      <a:alpha val="43137"/>
-                    </a:srgbClr>
-                  </a:outerShdw>
-                </a:effectLst>
-              </a:rPr>
-              <a:t> </a:t>
-            </a:r>
+              <a:t>Programación II:</a:t>
+            </a:r>
+          </a:p>
+          <a:p>
+            <a:pPr lvl="1"/>
             <a:r>
               <a:rPr lang="es-AR" dirty="0" smtClean="0">
                 <a:effectLst>
@@ -10821,138 +11071,7 @@
                   </a:outerShdw>
                 </a:effectLst>
               </a:rPr>
-              <a:t>las materias cuentan con promoción directa.</a:t>
-            </a:r>
-          </a:p>
-          <a:p>
-            <a:r>
-              <a:rPr lang="es-AR" dirty="0" smtClean="0">
-                <a:effectLst>
-                  <a:outerShdw blurRad="38100" dist="38100" dir="2700000" algn="tl">
-                    <a:srgbClr val="000000">
-                      <a:alpha val="43137"/>
-                    </a:srgbClr>
-                  </a:outerShdw>
-                </a:effectLst>
-              </a:rPr>
-              <a:t>Para lograrlo deberán:</a:t>
-            </a:r>
-          </a:p>
-          <a:p>
-            <a:pPr lvl="1"/>
-            <a:r>
-              <a:rPr lang="es-AR" dirty="0" smtClean="0">
-                <a:effectLst>
-                  <a:outerShdw blurRad="38100" dist="38100" dir="2700000" algn="tl">
-                    <a:srgbClr val="000000">
-                      <a:alpha val="43137"/>
-                    </a:srgbClr>
-                  </a:outerShdw>
-                </a:effectLst>
-              </a:rPr>
-              <a:t>Aprobar ambos parciales con nota IGUAL o SUPERIOR a </a:t>
-            </a:r>
-            <a:r>
-              <a:rPr lang="es-AR" b="1" dirty="0" smtClean="0">
-                <a:effectLst>
-                  <a:outerShdw blurRad="38100" dist="38100" dir="2700000" algn="tl">
-                    <a:srgbClr val="000000">
-                      <a:alpha val="43137"/>
-                    </a:srgbClr>
-                  </a:outerShdw>
-                </a:effectLst>
-              </a:rPr>
-              <a:t>6</a:t>
-            </a:r>
-            <a:r>
-              <a:rPr lang="es-AR" dirty="0" smtClean="0">
-                <a:effectLst>
-                  <a:outerShdw blurRad="38100" dist="38100" dir="2700000" algn="tl">
-                    <a:srgbClr val="000000">
-                      <a:alpha val="43137"/>
-                    </a:srgbClr>
-                  </a:outerShdw>
-                </a:effectLst>
-              </a:rPr>
-              <a:t> en cada uno de ellos.</a:t>
-            </a:r>
-          </a:p>
-          <a:p>
-            <a:pPr lvl="1"/>
-            <a:r>
-              <a:rPr lang="es-AR" dirty="0" smtClean="0">
-                <a:effectLst>
-                  <a:outerShdw blurRad="38100" dist="38100" dir="2700000" algn="tl">
-                    <a:srgbClr val="000000">
-                      <a:alpha val="43137"/>
-                    </a:srgbClr>
-                  </a:outerShdw>
-                </a:effectLst>
-              </a:rPr>
-              <a:t>Las notas no son </a:t>
-            </a:r>
-            <a:r>
-              <a:rPr lang="es-AR" dirty="0" err="1" smtClean="0">
-                <a:effectLst>
-                  <a:outerShdw blurRad="38100" dist="38100" dir="2700000" algn="tl">
-                    <a:srgbClr val="000000">
-                      <a:alpha val="43137"/>
-                    </a:srgbClr>
-                  </a:outerShdw>
-                </a:effectLst>
-              </a:rPr>
-              <a:t>promediables</a:t>
-            </a:r>
-            <a:r>
-              <a:rPr lang="es-AR" dirty="0" smtClean="0">
-                <a:effectLst>
-                  <a:outerShdw blurRad="38100" dist="38100" dir="2700000" algn="tl">
-                    <a:srgbClr val="000000">
-                      <a:alpha val="43137"/>
-                    </a:srgbClr>
-                  </a:outerShdw>
-                </a:effectLst>
-              </a:rPr>
-              <a:t> (10 y 5 rinde final).</a:t>
-            </a:r>
-          </a:p>
-          <a:p>
-            <a:pPr lvl="1"/>
-            <a:r>
-              <a:rPr lang="es-AR" dirty="0" smtClean="0">
-                <a:effectLst>
-                  <a:outerShdw blurRad="38100" dist="38100" dir="2700000" algn="tl">
-                    <a:srgbClr val="000000">
-                      <a:alpha val="43137"/>
-                    </a:srgbClr>
-                  </a:outerShdw>
-                </a:effectLst>
-              </a:rPr>
-              <a:t>Tener aprobados los Trabajos Prácticos en primera instancia o </a:t>
-            </a:r>
-            <a:r>
-              <a:rPr lang="es-AR" b="1" dirty="0" smtClean="0">
-                <a:effectLst>
-                  <a:outerShdw blurRad="38100" dist="38100" dir="2700000" algn="tl">
-                    <a:srgbClr val="000000">
-                      <a:alpha val="43137"/>
-                    </a:srgbClr>
-                  </a:outerShdw>
-                </a:effectLst>
-              </a:rPr>
-              <a:t>primer</a:t>
-            </a:r>
-            <a:r>
-              <a:rPr lang="es-AR" dirty="0" smtClean="0">
-                <a:effectLst>
-                  <a:outerShdw blurRad="38100" dist="38100" dir="2700000" algn="tl">
-                    <a:srgbClr val="000000">
-                      <a:alpha val="43137"/>
-                    </a:srgbClr>
-                  </a:outerShdw>
-                </a:effectLst>
-              </a:rPr>
-              <a:t> llamado de </a:t>
+              <a:t>Martes 10 y 17 de diciembre (válidas para </a:t>
             </a:r>
             <a:r>
               <a:rPr lang="es-AR" dirty="0" err="1" smtClean="0">
@@ -10976,11 +11095,23 @@
                   </a:outerShdw>
                 </a:effectLst>
               </a:rPr>
-              <a:t>.</a:t>
+              <a:t> de parciales)</a:t>
             </a:r>
           </a:p>
           <a:p>
             <a:pPr lvl="1"/>
+            <a:r>
+              <a:rPr lang="es-AR" dirty="0">
+                <a:effectLst>
+                  <a:outerShdw blurRad="38100" dist="38100" dir="2700000" algn="tl">
+                    <a:srgbClr val="000000">
+                      <a:alpha val="43137"/>
+                    </a:srgbClr>
+                  </a:outerShdw>
+                </a:effectLst>
+              </a:rPr>
+              <a:t>17 al 29 de </a:t>
+            </a:r>
             <a:r>
               <a:rPr lang="es-AR" dirty="0" smtClean="0">
                 <a:effectLst>
@@ -10991,10 +11122,10 @@
                   </a:outerShdw>
                 </a:effectLst>
               </a:rPr>
-              <a:t>Los </a:t>
-            </a:r>
-            <a:r>
-              <a:rPr lang="es-AR" dirty="0" err="1" smtClean="0">
+              <a:t>Febrero (</a:t>
+            </a:r>
+            <a:r>
+              <a:rPr lang="es-AR" dirty="0">
                 <a:effectLst>
                   <a:outerShdw blurRad="38100" dist="38100" dir="2700000" algn="tl">
                     <a:srgbClr val="000000">
@@ -11003,7 +11134,7 @@
                   </a:outerShdw>
                 </a:effectLst>
               </a:rPr>
-              <a:t>recuperatorios</a:t>
+              <a:t>sólo </a:t>
             </a:r>
             <a:r>
               <a:rPr lang="es-AR" dirty="0" smtClean="0">
@@ -11015,9 +11146,12 @@
                   </a:outerShdw>
                 </a:effectLst>
               </a:rPr>
-              <a:t> son válidos para la promoción de la materia.</a:t>
-            </a:r>
-            <a:endParaRPr lang="es-AR" dirty="0">
+              <a:t>finales)</a:t>
+            </a:r>
+          </a:p>
+          <a:p>
+            <a:pPr lvl="1"/>
+            <a:endParaRPr lang="es-AR" dirty="0" smtClean="0">
               <a:effectLst>
                 <a:outerShdw blurRad="38100" dist="38100" dir="2700000" algn="tl">
                   <a:srgbClr val="000000">
@@ -11028,7 +11162,33 @@
             </a:endParaRPr>
           </a:p>
           <a:p>
+            <a:r>
+              <a:rPr lang="es-AR" dirty="0" smtClean="0">
+                <a:effectLst>
+                  <a:outerShdw blurRad="38100" dist="38100" dir="2700000" algn="tl">
+                    <a:srgbClr val="000000">
+                      <a:alpha val="43137"/>
+                    </a:srgbClr>
+                  </a:outerShdw>
+                </a:effectLst>
+              </a:rPr>
+              <a:t>Laboratorio II:</a:t>
+            </a:r>
+          </a:p>
+          <a:p>
             <a:pPr lvl="1"/>
+            <a:r>
+              <a:rPr lang="es-AR" dirty="0" smtClean="0">
+                <a:effectLst>
+                  <a:outerShdw blurRad="38100" dist="38100" dir="2700000" algn="tl">
+                    <a:srgbClr val="000000">
+                      <a:alpha val="43137"/>
+                    </a:srgbClr>
+                  </a:outerShdw>
+                </a:effectLst>
+              </a:rPr>
+              <a:t>Jueves 12 y 19 de </a:t>
+            </a:r>
             <a:r>
               <a:rPr lang="es-AR" dirty="0">
                 <a:effectLst>
@@ -11039,15 +11199,82 @@
                   </a:outerShdw>
                 </a:effectLst>
               </a:rPr>
-              <a:t>La calificación que prevalece cuando el alumno recupera un parcial es la nota más alta.</a:t>
-            </a:r>
+              <a:t>diciembre (</a:t>
+            </a:r>
+            <a:r>
+              <a:rPr lang="es-AR" dirty="0" smtClean="0">
+                <a:effectLst>
+                  <a:outerShdw blurRad="38100" dist="38100" dir="2700000" algn="tl">
+                    <a:srgbClr val="000000">
+                      <a:alpha val="43137"/>
+                    </a:srgbClr>
+                  </a:outerShdw>
+                </a:effectLst>
+              </a:rPr>
+              <a:t>válidas para </a:t>
+            </a:r>
+            <a:r>
+              <a:rPr lang="es-AR" dirty="0" err="1">
+                <a:effectLst>
+                  <a:outerShdw blurRad="38100" dist="38100" dir="2700000" algn="tl">
+                    <a:srgbClr val="000000">
+                      <a:alpha val="43137"/>
+                    </a:srgbClr>
+                  </a:outerShdw>
+                </a:effectLst>
+              </a:rPr>
+              <a:t>recuperatorio</a:t>
+            </a:r>
+            <a:r>
+              <a:rPr lang="es-AR" dirty="0">
+                <a:effectLst>
+                  <a:outerShdw blurRad="38100" dist="38100" dir="2700000" algn="tl">
+                    <a:srgbClr val="000000">
+                      <a:alpha val="43137"/>
+                    </a:srgbClr>
+                  </a:outerShdw>
+                </a:effectLst>
+              </a:rPr>
+              <a:t> de </a:t>
+            </a:r>
+            <a:r>
+              <a:rPr lang="es-AR" dirty="0" smtClean="0">
+                <a:effectLst>
+                  <a:outerShdw blurRad="38100" dist="38100" dir="2700000" algn="tl">
+                    <a:srgbClr val="000000">
+                      <a:alpha val="43137"/>
+                    </a:srgbClr>
+                  </a:outerShdw>
+                </a:effectLst>
+              </a:rPr>
+              <a:t>parciales)</a:t>
+            </a:r>
+          </a:p>
+          <a:p>
+            <a:pPr lvl="1"/>
+            <a:r>
+              <a:rPr lang="es-AR" dirty="0" smtClean="0">
+                <a:effectLst>
+                  <a:outerShdw blurRad="38100" dist="38100" dir="2700000" algn="tl">
+                    <a:srgbClr val="000000">
+                      <a:alpha val="43137"/>
+                    </a:srgbClr>
+                  </a:outerShdw>
+                </a:effectLst>
+              </a:rPr>
+              <a:t>17 al 29 de Febrero (sólo finales)</a:t>
+            </a:r>
+            <a:endParaRPr lang="es-AR" dirty="0"/>
+          </a:p>
+          <a:p>
+            <a:endParaRPr lang="es-AR" dirty="0"/>
           </a:p>
         </p:txBody>
       </p:sp>
     </p:spTree>
     <p:extLst>
       <p:ext uri="{BB962C8B-B14F-4D97-AF65-F5344CB8AC3E}">
-        <p14:creationId xmlns:p14="http://schemas.microsoft.com/office/powerpoint/2010/main" val="3307960532"/>
+        <p14:creationId xmlns:p14="http://schemas.microsoft.com/office/powerpoint/2010/main" val="3740102284"/>
       </p:ext>
     </p:extLst>
   </p:cSld>

--- a/PPTs/Programacion y Laboratorio II-201908.pptx
+++ b/PPTs/Programacion y Laboratorio II-201908.pptx
@@ -5,7 +5,7 @@
     <p:sldMasterId id="2147483648" r:id="rId1"/>
   </p:sldMasterIdLst>
   <p:notesMasterIdLst>
-    <p:notesMasterId r:id="rId13"/>
+    <p:notesMasterId r:id="rId14"/>
   </p:notesMasterIdLst>
   <p:sldIdLst>
     <p:sldId id="256" r:id="rId2"/>
@@ -15,10 +15,11 @@
     <p:sldId id="265" r:id="rId6"/>
     <p:sldId id="266" r:id="rId7"/>
     <p:sldId id="262" r:id="rId8"/>
-    <p:sldId id="258" r:id="rId9"/>
-    <p:sldId id="259" r:id="rId10"/>
-    <p:sldId id="260" r:id="rId11"/>
-    <p:sldId id="261" r:id="rId12"/>
+    <p:sldId id="267" r:id="rId9"/>
+    <p:sldId id="258" r:id="rId10"/>
+    <p:sldId id="259" r:id="rId11"/>
+    <p:sldId id="260" r:id="rId12"/>
+    <p:sldId id="261" r:id="rId13"/>
   </p:sldIdLst>
   <p:sldSz cx="12192000" cy="6858000"/>
   <p:notesSz cx="6858000" cy="9144000"/>
@@ -712,7 +713,7 @@
           <a:p>
             <a:fld id="{4E0ADE5F-4420-48D4-8147-C3A8E3B2A19B}" type="slidenum">
               <a:rPr lang="es-AR" smtClean="0"/>
-              <a:t>8</a:t>
+              <a:t>9</a:t>
             </a:fld>
             <a:endParaRPr lang="es-AR"/>
           </a:p>
@@ -842,7 +843,7 @@
           <a:p>
             <a:fld id="{4E0ADE5F-4420-48D4-8147-C3A8E3B2A19B}" type="slidenum">
               <a:rPr lang="es-AR" smtClean="0"/>
-              <a:t>9</a:t>
+              <a:t>10</a:t>
             </a:fld>
             <a:endParaRPr lang="es-AR"/>
           </a:p>
@@ -964,7 +965,7 @@
           <a:p>
             <a:fld id="{4E0ADE5F-4420-48D4-8147-C3A8E3B2A19B}" type="slidenum">
               <a:rPr lang="es-AR" smtClean="0"/>
-              <a:t>10</a:t>
+              <a:t>11</a:t>
             </a:fld>
             <a:endParaRPr lang="es-AR"/>
           </a:p>
@@ -1048,7 +1049,7 @@
           <a:p>
             <a:fld id="{4E0ADE5F-4420-48D4-8147-C3A8E3B2A19B}" type="slidenum">
               <a:rPr lang="es-AR" smtClean="0"/>
-              <a:t>11</a:t>
+              <a:t>12</a:t>
             </a:fld>
             <a:endParaRPr lang="es-AR"/>
           </a:p>
@@ -8727,6 +8728,313 @@
           <a:p>
             <a:r>
               <a:rPr lang="es-AR" dirty="0" smtClean="0"/>
+              <a:t>EXÁMENES FINALES</a:t>
+            </a:r>
+            <a:endParaRPr lang="es-AR" dirty="0"/>
+          </a:p>
+        </p:txBody>
+      </p:sp>
+      <p:sp>
+        <p:nvSpPr>
+          <p:cNvPr id="3" name="Marcador de contenido 2"/>
+          <p:cNvSpPr>
+            <a:spLocks noGrp="1"/>
+          </p:cNvSpPr>
+          <p:nvPr>
+            <p:ph idx="1"/>
+          </p:nvPr>
+        </p:nvSpPr>
+        <p:spPr>
+          <a:xfrm>
+            <a:off x="680321" y="2336873"/>
+            <a:ext cx="9613861" cy="3739462"/>
+          </a:xfrm>
+        </p:spPr>
+        <p:txBody>
+          <a:bodyPr>
+            <a:normAutofit/>
+          </a:bodyPr>
+          <a:lstStyle/>
+          <a:p>
+            <a:r>
+              <a:rPr lang="es-AR" dirty="0" smtClean="0">
+                <a:effectLst>
+                  <a:outerShdw blurRad="38100" dist="38100" dir="2700000" algn="tl">
+                    <a:srgbClr val="000000">
+                      <a:alpha val="43137"/>
+                    </a:srgbClr>
+                  </a:outerShdw>
+                </a:effectLst>
+              </a:rPr>
+              <a:t>Programación II:</a:t>
+            </a:r>
+          </a:p>
+          <a:p>
+            <a:pPr lvl="1"/>
+            <a:r>
+              <a:rPr lang="es-AR" dirty="0" smtClean="0">
+                <a:effectLst>
+                  <a:outerShdw blurRad="38100" dist="38100" dir="2700000" algn="tl">
+                    <a:srgbClr val="000000">
+                      <a:alpha val="43137"/>
+                    </a:srgbClr>
+                  </a:outerShdw>
+                </a:effectLst>
+              </a:rPr>
+              <a:t>Martes 10 y 17 de diciembre (válidas para </a:t>
+            </a:r>
+            <a:r>
+              <a:rPr lang="es-AR" dirty="0" err="1" smtClean="0">
+                <a:effectLst>
+                  <a:outerShdw blurRad="38100" dist="38100" dir="2700000" algn="tl">
+                    <a:srgbClr val="000000">
+                      <a:alpha val="43137"/>
+                    </a:srgbClr>
+                  </a:outerShdw>
+                </a:effectLst>
+              </a:rPr>
+              <a:t>recuperatorio</a:t>
+            </a:r>
+            <a:r>
+              <a:rPr lang="es-AR" dirty="0" smtClean="0">
+                <a:effectLst>
+                  <a:outerShdw blurRad="38100" dist="38100" dir="2700000" algn="tl">
+                    <a:srgbClr val="000000">
+                      <a:alpha val="43137"/>
+                    </a:srgbClr>
+                  </a:outerShdw>
+                </a:effectLst>
+              </a:rPr>
+              <a:t> de parciales)</a:t>
+            </a:r>
+          </a:p>
+          <a:p>
+            <a:pPr lvl="1"/>
+            <a:r>
+              <a:rPr lang="es-AR" dirty="0">
+                <a:effectLst>
+                  <a:outerShdw blurRad="38100" dist="38100" dir="2700000" algn="tl">
+                    <a:srgbClr val="000000">
+                      <a:alpha val="43137"/>
+                    </a:srgbClr>
+                  </a:outerShdw>
+                </a:effectLst>
+              </a:rPr>
+              <a:t>17 al 29 de </a:t>
+            </a:r>
+            <a:r>
+              <a:rPr lang="es-AR" dirty="0" smtClean="0">
+                <a:effectLst>
+                  <a:outerShdw blurRad="38100" dist="38100" dir="2700000" algn="tl">
+                    <a:srgbClr val="000000">
+                      <a:alpha val="43137"/>
+                    </a:srgbClr>
+                  </a:outerShdw>
+                </a:effectLst>
+              </a:rPr>
+              <a:t>Febrero (</a:t>
+            </a:r>
+            <a:r>
+              <a:rPr lang="es-AR" dirty="0">
+                <a:effectLst>
+                  <a:outerShdw blurRad="38100" dist="38100" dir="2700000" algn="tl">
+                    <a:srgbClr val="000000">
+                      <a:alpha val="43137"/>
+                    </a:srgbClr>
+                  </a:outerShdw>
+                </a:effectLst>
+              </a:rPr>
+              <a:t>sólo </a:t>
+            </a:r>
+            <a:r>
+              <a:rPr lang="es-AR" dirty="0" smtClean="0">
+                <a:effectLst>
+                  <a:outerShdw blurRad="38100" dist="38100" dir="2700000" algn="tl">
+                    <a:srgbClr val="000000">
+                      <a:alpha val="43137"/>
+                    </a:srgbClr>
+                  </a:outerShdw>
+                </a:effectLst>
+              </a:rPr>
+              <a:t>finales)</a:t>
+            </a:r>
+          </a:p>
+          <a:p>
+            <a:pPr lvl="1"/>
+            <a:endParaRPr lang="es-AR" dirty="0" smtClean="0">
+              <a:effectLst>
+                <a:outerShdw blurRad="38100" dist="38100" dir="2700000" algn="tl">
+                  <a:srgbClr val="000000">
+                    <a:alpha val="43137"/>
+                  </a:srgbClr>
+                </a:outerShdw>
+              </a:effectLst>
+            </a:endParaRPr>
+          </a:p>
+          <a:p>
+            <a:r>
+              <a:rPr lang="es-AR" dirty="0" smtClean="0">
+                <a:effectLst>
+                  <a:outerShdw blurRad="38100" dist="38100" dir="2700000" algn="tl">
+                    <a:srgbClr val="000000">
+                      <a:alpha val="43137"/>
+                    </a:srgbClr>
+                  </a:outerShdw>
+                </a:effectLst>
+              </a:rPr>
+              <a:t>Laboratorio II:</a:t>
+            </a:r>
+          </a:p>
+          <a:p>
+            <a:pPr lvl="1"/>
+            <a:r>
+              <a:rPr lang="es-AR" dirty="0" smtClean="0">
+                <a:effectLst>
+                  <a:outerShdw blurRad="38100" dist="38100" dir="2700000" algn="tl">
+                    <a:srgbClr val="000000">
+                      <a:alpha val="43137"/>
+                    </a:srgbClr>
+                  </a:outerShdw>
+                </a:effectLst>
+              </a:rPr>
+              <a:t>Jueves 12 y 19 de </a:t>
+            </a:r>
+            <a:r>
+              <a:rPr lang="es-AR" dirty="0">
+                <a:effectLst>
+                  <a:outerShdw blurRad="38100" dist="38100" dir="2700000" algn="tl">
+                    <a:srgbClr val="000000">
+                      <a:alpha val="43137"/>
+                    </a:srgbClr>
+                  </a:outerShdw>
+                </a:effectLst>
+              </a:rPr>
+              <a:t>diciembre (</a:t>
+            </a:r>
+            <a:r>
+              <a:rPr lang="es-AR" dirty="0" smtClean="0">
+                <a:effectLst>
+                  <a:outerShdw blurRad="38100" dist="38100" dir="2700000" algn="tl">
+                    <a:srgbClr val="000000">
+                      <a:alpha val="43137"/>
+                    </a:srgbClr>
+                  </a:outerShdw>
+                </a:effectLst>
+              </a:rPr>
+              <a:t>válidas para </a:t>
+            </a:r>
+            <a:r>
+              <a:rPr lang="es-AR" dirty="0" err="1">
+                <a:effectLst>
+                  <a:outerShdw blurRad="38100" dist="38100" dir="2700000" algn="tl">
+                    <a:srgbClr val="000000">
+                      <a:alpha val="43137"/>
+                    </a:srgbClr>
+                  </a:outerShdw>
+                </a:effectLst>
+              </a:rPr>
+              <a:t>recuperatorio</a:t>
+            </a:r>
+            <a:r>
+              <a:rPr lang="es-AR" dirty="0">
+                <a:effectLst>
+                  <a:outerShdw blurRad="38100" dist="38100" dir="2700000" algn="tl">
+                    <a:srgbClr val="000000">
+                      <a:alpha val="43137"/>
+                    </a:srgbClr>
+                  </a:outerShdw>
+                </a:effectLst>
+              </a:rPr>
+              <a:t> de </a:t>
+            </a:r>
+            <a:r>
+              <a:rPr lang="es-AR" dirty="0" smtClean="0">
+                <a:effectLst>
+                  <a:outerShdw blurRad="38100" dist="38100" dir="2700000" algn="tl">
+                    <a:srgbClr val="000000">
+                      <a:alpha val="43137"/>
+                    </a:srgbClr>
+                  </a:outerShdw>
+                </a:effectLst>
+              </a:rPr>
+              <a:t>parciales)</a:t>
+            </a:r>
+          </a:p>
+          <a:p>
+            <a:pPr lvl="1"/>
+            <a:r>
+              <a:rPr lang="es-AR" dirty="0" smtClean="0">
+                <a:effectLst>
+                  <a:outerShdw blurRad="38100" dist="38100" dir="2700000" algn="tl">
+                    <a:srgbClr val="000000">
+                      <a:alpha val="43137"/>
+                    </a:srgbClr>
+                  </a:outerShdw>
+                </a:effectLst>
+              </a:rPr>
+              <a:t>17 al 29 de Febrero (sólo finales)</a:t>
+            </a:r>
+            <a:endParaRPr lang="es-AR" dirty="0"/>
+          </a:p>
+          <a:p>
+            <a:endParaRPr lang="es-AR" dirty="0"/>
+          </a:p>
+        </p:txBody>
+      </p:sp>
+    </p:spTree>
+    <p:extLst>
+      <p:ext uri="{BB962C8B-B14F-4D97-AF65-F5344CB8AC3E}">
+        <p14:creationId xmlns:p14="http://schemas.microsoft.com/office/powerpoint/2010/main" val="3740102284"/>
+      </p:ext>
+    </p:extLst>
+  </p:cSld>
+  <p:clrMapOvr>
+    <a:masterClrMapping/>
+  </p:clrMapOvr>
+  <p:timing>
+    <p:tnLst>
+      <p:par>
+        <p:cTn id="1" dur="indefinite" restart="never" nodeType="tmRoot"/>
+      </p:par>
+    </p:tnLst>
+  </p:timing>
+</p:sld>
+</file>
+
+<file path=ppt/slides/slide11.xml><?xml version="1.0" encoding="utf-8"?>
+<p:sld xmlns:a="http://schemas.openxmlformats.org/drawingml/2006/main" xmlns:r="http://schemas.openxmlformats.org/officeDocument/2006/relationships" xmlns:p="http://schemas.openxmlformats.org/presentationml/2006/main">
+  <p:cSld>
+    <p:spTree>
+      <p:nvGrpSpPr>
+        <p:cNvPr id="1" name=""/>
+        <p:cNvGrpSpPr/>
+        <p:nvPr/>
+      </p:nvGrpSpPr>
+      <p:grpSpPr>
+        <a:xfrm>
+          <a:off x="0" y="0"/>
+          <a:ext cx="0" cy="0"/>
+          <a:chOff x="0" y="0"/>
+          <a:chExt cx="0" cy="0"/>
+        </a:xfrm>
+      </p:grpSpPr>
+      <p:sp>
+        <p:nvSpPr>
+          <p:cNvPr id="2" name="Título 1"/>
+          <p:cNvSpPr>
+            <a:spLocks noGrp="1"/>
+          </p:cNvSpPr>
+          <p:nvPr>
+            <p:ph type="title"/>
+          </p:nvPr>
+        </p:nvSpPr>
+        <p:spPr/>
+        <p:txBody>
+          <a:bodyPr/>
+          <a:lstStyle/>
+          <a:p>
+            <a:r>
+              <a:rPr lang="es-AR" dirty="0" smtClean="0"/>
               <a:t>TRABAJOS PRÁCTICOS</a:t>
             </a:r>
             <a:endParaRPr lang="es-AR" dirty="0"/>
@@ -9208,7 +9516,7 @@
 </p:sld>
 </file>
 
-<file path=ppt/slides/slide11.xml><?xml version="1.0" encoding="utf-8"?>
+<file path=ppt/slides/slide12.xml><?xml version="1.0" encoding="utf-8"?>
 <p:sld xmlns:a="http://schemas.openxmlformats.org/drawingml/2006/main" xmlns:r="http://schemas.openxmlformats.org/officeDocument/2006/relationships" xmlns:p="http://schemas.openxmlformats.org/presentationml/2006/main">
   <p:cSld>
     <p:spTree>
@@ -10650,25 +10958,65 @@
         <p:spPr/>
         <p:txBody>
           <a:bodyPr>
-            <a:normAutofit/>
+            <a:normAutofit fontScale="92500" lnSpcReduction="10000"/>
           </a:bodyPr>
           <a:lstStyle/>
           <a:p>
             <a:r>
-              <a:rPr lang="es-AR" sz="2800" dirty="0" smtClean="0">
-                <a:effectLst>
-                  <a:outerShdw blurRad="38100" dist="38100" dir="2700000" algn="tl">
-                    <a:srgbClr val="000000">
-                      <a:alpha val="43137"/>
-                    </a:srgbClr>
-                  </a:outerShdw>
-                </a:effectLst>
-              </a:rPr>
-              <a:t>En el Campus se podrá encontrar una Guía propuesta de ejercicios.</a:t>
-            </a:r>
-          </a:p>
-          <a:p>
-            <a:endParaRPr lang="es-AR" sz="2800" dirty="0" smtClean="0">
+              <a:rPr lang="es-AR" dirty="0">
+                <a:effectLst>
+                  <a:outerShdw blurRad="38100" dist="38100" dir="2700000" algn="tl">
+                    <a:srgbClr val="000000">
+                      <a:alpha val="43137"/>
+                    </a:srgbClr>
+                  </a:outerShdw>
+                </a:effectLst>
+              </a:rPr>
+              <a:t>En el campus se podrá encontrar una guía propuesta de ejercicios prácticos.</a:t>
+            </a:r>
+          </a:p>
+          <a:p>
+            <a:pPr lvl="1"/>
+            <a:r>
+              <a:rPr lang="es-AR" dirty="0">
+                <a:effectLst>
+                  <a:outerShdw blurRad="38100" dist="38100" dir="2700000" algn="tl">
+                    <a:srgbClr val="000000">
+                      <a:alpha val="43137"/>
+                    </a:srgbClr>
+                  </a:outerShdw>
+                </a:effectLst>
+              </a:rPr>
+              <a:t>También están en </a:t>
+            </a:r>
+            <a:r>
+              <a:rPr lang="es-AR" dirty="0" err="1">
+                <a:effectLst>
+                  <a:outerShdw blurRad="38100" dist="38100" dir="2700000" algn="tl">
+                    <a:srgbClr val="000000">
+                      <a:alpha val="43137"/>
+                    </a:srgbClr>
+                  </a:outerShdw>
+                </a:effectLst>
+              </a:rPr>
+              <a:t>GitHub</a:t>
+            </a:r>
+            <a:r>
+              <a:rPr lang="es-AR" dirty="0">
+                <a:effectLst>
+                  <a:outerShdw blurRad="38100" dist="38100" dir="2700000" algn="tl">
+                    <a:srgbClr val="000000">
+                      <a:alpha val="43137"/>
+                    </a:srgbClr>
+                  </a:outerShdw>
+                </a:effectLst>
+              </a:rPr>
+              <a:t>.</a:t>
+            </a:r>
+          </a:p>
+          <a:p>
+            <a:pPr lvl="1"/>
+            <a:endParaRPr lang="es-AR" dirty="0">
               <a:effectLst>
                 <a:outerShdw blurRad="38100" dist="38100" dir="2700000" algn="tl">
                   <a:srgbClr val="000000">
@@ -10680,18 +11028,20 @@
           </a:p>
           <a:p>
             <a:r>
-              <a:rPr lang="es-AR" sz="2800" dirty="0" smtClean="0">
-                <a:effectLst>
-                  <a:outerShdw blurRad="38100" dist="38100" dir="2700000" algn="tl">
-                    <a:srgbClr val="000000">
-                      <a:alpha val="43137"/>
-                    </a:srgbClr>
-                  </a:outerShdw>
-                </a:effectLst>
-              </a:rPr>
-              <a:t>Esta Guía puede ser modificada a lo largo de la cursada.</a:t>
-            </a:r>
-            <a:endParaRPr lang="es-AR" sz="2800" dirty="0">
+              <a:rPr lang="es-AR" dirty="0">
+                <a:effectLst>
+                  <a:outerShdw blurRad="38100" dist="38100" dir="2700000" algn="tl">
+                    <a:srgbClr val="000000">
+                      <a:alpha val="43137"/>
+                    </a:srgbClr>
+                  </a:outerShdw>
+                </a:effectLst>
+              </a:rPr>
+              <a:t>Sirve como ejercitación para el parcial de Laboratorio de Computación II. </a:t>
+            </a:r>
+          </a:p>
+          <a:p>
+            <a:endParaRPr lang="es-AR" dirty="0">
               <a:effectLst>
                 <a:outerShdw blurRad="38100" dist="38100" dir="2700000" algn="tl">
                   <a:srgbClr val="000000">
@@ -10700,6 +11050,45 @@
                 </a:outerShdw>
               </a:effectLst>
             </a:endParaRPr>
+          </a:p>
+          <a:p>
+            <a:r>
+              <a:rPr lang="es-AR" dirty="0">
+                <a:effectLst>
+                  <a:outerShdw blurRad="38100" dist="38100" dir="2700000" algn="tl">
+                    <a:srgbClr val="000000">
+                      <a:alpha val="43137"/>
+                    </a:srgbClr>
+                  </a:outerShdw>
+                </a:effectLst>
+              </a:rPr>
+              <a:t>Esta guía puede ser modificada a lo largo de la cursada.</a:t>
+            </a:r>
+          </a:p>
+          <a:p>
+            <a:endParaRPr lang="es-AR" dirty="0">
+              <a:effectLst>
+                <a:outerShdw blurRad="38100" dist="38100" dir="2700000" algn="tl">
+                  <a:srgbClr val="000000">
+                    <a:alpha val="43137"/>
+                  </a:srgbClr>
+                </a:outerShdw>
+              </a:effectLst>
+            </a:endParaRPr>
+          </a:p>
+          <a:p>
+            <a:r>
+              <a:rPr lang="es-AR" dirty="0">
+                <a:effectLst>
+                  <a:outerShdw blurRad="38100" dist="38100" dir="2700000" algn="tl">
+                    <a:srgbClr val="000000">
+                      <a:alpha val="43137"/>
+                    </a:srgbClr>
+                  </a:outerShdw>
+                </a:effectLst>
+              </a:rPr>
+              <a:t>Se resolverán algunos en clase y otros en sus casas.</a:t>
+            </a:r>
           </a:p>
         </p:txBody>
       </p:sp>
@@ -10757,7 +11146,7 @@
           <a:p>
             <a:r>
               <a:rPr lang="es-AR" dirty="0" smtClean="0"/>
-              <a:t>EXÁMENES PARCIALES</a:t>
+              <a:t>CUESTIONARIOS TEÓRICOS</a:t>
             </a:r>
             <a:endParaRPr lang="es-AR" dirty="0"/>
           </a:p>
@@ -10775,7 +11164,9 @@
         </p:nvSpPr>
         <p:spPr/>
         <p:txBody>
-          <a:bodyPr/>
+          <a:bodyPr>
+            <a:normAutofit fontScale="92500" lnSpcReduction="10000"/>
+          </a:bodyPr>
           <a:lstStyle/>
           <a:p>
             <a:r>
@@ -10788,19 +11179,19 @@
                   </a:outerShdw>
                 </a:effectLst>
               </a:rPr>
-              <a:t>Fechas </a:t>
-            </a:r>
-            <a:r>
-              <a:rPr lang="es-AR" u="sng" dirty="0" smtClean="0">
-                <a:effectLst>
-                  <a:outerShdw blurRad="38100" dist="38100" dir="2700000" algn="tl">
-                    <a:srgbClr val="000000">
-                      <a:alpha val="43137"/>
-                    </a:srgbClr>
-                  </a:outerShdw>
-                </a:effectLst>
-              </a:rPr>
-              <a:t>tentativas</a:t>
+              <a:t>En el </a:t>
+            </a:r>
+            <a:r>
+              <a:rPr lang="es-AR" dirty="0">
+                <a:effectLst>
+                  <a:outerShdw blurRad="38100" dist="38100" dir="2700000" algn="tl">
+                    <a:srgbClr val="000000">
+                      <a:alpha val="43137"/>
+                    </a:srgbClr>
+                  </a:outerShdw>
+                </a:effectLst>
+              </a:rPr>
+              <a:t>c</a:t>
             </a:r>
             <a:r>
               <a:rPr lang="es-AR" dirty="0" smtClean="0">
@@ -10812,10 +11203,11 @@
                   </a:outerShdw>
                 </a:effectLst>
               </a:rPr>
-              <a:t> de examen (podrán cambiar durante la cursada)</a:t>
-            </a:r>
-          </a:p>
-          <a:p>
+              <a:t>ampus, dentro de cada clase, podrán encontrar un cuestionario con preguntas teóricas.</a:t>
+            </a:r>
+          </a:p>
+          <a:p>
+            <a:pPr lvl="1"/>
             <a:r>
               <a:rPr lang="es-AR" dirty="0" smtClean="0">
                 <a:effectLst>
@@ -10826,22 +11218,7 @@
                   </a:outerShdw>
                 </a:effectLst>
               </a:rPr>
-              <a:t>Programación II</a:t>
-            </a:r>
-          </a:p>
-          <a:p>
-            <a:pPr lvl="1"/>
-            <a:r>
-              <a:rPr lang="es-AR" dirty="0" smtClean="0">
-                <a:effectLst>
-                  <a:outerShdw blurRad="38100" dist="38100" dir="2700000" algn="tl">
-                    <a:srgbClr val="000000">
-                      <a:alpha val="43137"/>
-                    </a:srgbClr>
-                  </a:outerShdw>
-                </a:effectLst>
-              </a:rPr>
-              <a:t>Cursada día Miércoles: 9 de Octubre y 20 de Noviembre 18:30hs</a:t>
+              <a:t>También están en GitHub.</a:t>
             </a:r>
           </a:p>
           <a:p>
@@ -10866,11 +11243,21 @@
                   </a:outerShdw>
                 </a:effectLst>
               </a:rPr>
-              <a:t>Laboratorio de Computación II:</a:t>
-            </a:r>
-          </a:p>
-          <a:p>
-            <a:pPr lvl="1"/>
+              <a:t>Sirven como ejercitación para el parcial de Programación II (teoría).</a:t>
+            </a:r>
+          </a:p>
+          <a:p>
+            <a:endParaRPr lang="es-AR" dirty="0" smtClean="0">
+              <a:effectLst>
+                <a:outerShdw blurRad="38100" dist="38100" dir="2700000" algn="tl">
+                  <a:srgbClr val="000000">
+                    <a:alpha val="43137"/>
+                  </a:srgbClr>
+                </a:outerShdw>
+              </a:effectLst>
+            </a:endParaRPr>
+          </a:p>
+          <a:p>
             <a:r>
               <a:rPr lang="es-AR" dirty="0" smtClean="0">
                 <a:effectLst>
@@ -10881,20 +11268,21 @@
                   </a:outerShdw>
                 </a:effectLst>
               </a:rPr>
-              <a:t>Cursada día Martes: </a:t>
-            </a:r>
-            <a:r>
-              <a:rPr lang="es-AR" dirty="0">
-                <a:effectLst>
-                  <a:outerShdw blurRad="38100" dist="38100" dir="2700000" algn="tl">
-                    <a:srgbClr val="000000">
-                      <a:alpha val="43137"/>
-                    </a:srgbClr>
-                  </a:outerShdw>
-                </a:effectLst>
-              </a:rPr>
-              <a:t>8 de Octubre y 19 de Noviembre </a:t>
-            </a:r>
+              <a:t>Pueden ser modificados a lo largo de la cursada. </a:t>
+            </a:r>
+          </a:p>
+          <a:p>
+            <a:endParaRPr lang="es-AR" dirty="0" smtClean="0">
+              <a:effectLst>
+                <a:outerShdw blurRad="38100" dist="38100" dir="2700000" algn="tl">
+                  <a:srgbClr val="000000">
+                    <a:alpha val="43137"/>
+                  </a:srgbClr>
+                </a:outerShdw>
+              </a:effectLst>
+            </a:endParaRPr>
+          </a:p>
+          <a:p>
             <a:r>
               <a:rPr lang="es-AR" dirty="0" smtClean="0">
                 <a:effectLst>
@@ -10905,69 +11293,15 @@
                   </a:outerShdw>
                 </a:effectLst>
               </a:rPr>
-              <a:t>18:30hs</a:t>
-            </a:r>
-          </a:p>
-          <a:p>
-            <a:pPr lvl="1"/>
-            <a:r>
-              <a:rPr lang="es-AR" dirty="0" smtClean="0">
-                <a:effectLst>
-                  <a:outerShdw blurRad="38100" dist="38100" dir="2700000" algn="tl">
-                    <a:srgbClr val="000000">
-                      <a:alpha val="43137"/>
-                    </a:srgbClr>
-                  </a:outerShdw>
-                </a:effectLst>
-              </a:rPr>
-              <a:t>Cursada día Jueves: 10 </a:t>
-            </a:r>
-            <a:r>
-              <a:rPr lang="es-AR" dirty="0">
-                <a:effectLst>
-                  <a:outerShdw blurRad="38100" dist="38100" dir="2700000" algn="tl">
-                    <a:srgbClr val="000000">
-                      <a:alpha val="43137"/>
-                    </a:srgbClr>
-                  </a:outerShdw>
-                </a:effectLst>
-              </a:rPr>
-              <a:t>de Octubre y </a:t>
-            </a:r>
-            <a:r>
-              <a:rPr lang="es-AR" dirty="0" smtClean="0">
-                <a:effectLst>
-                  <a:outerShdw blurRad="38100" dist="38100" dir="2700000" algn="tl">
-                    <a:srgbClr val="000000">
-                      <a:alpha val="43137"/>
-                    </a:srgbClr>
-                  </a:outerShdw>
-                </a:effectLst>
-              </a:rPr>
-              <a:t>21 </a:t>
-            </a:r>
-            <a:r>
-              <a:rPr lang="es-AR" dirty="0">
-                <a:effectLst>
-                  <a:outerShdw blurRad="38100" dist="38100" dir="2700000" algn="tl">
-                    <a:srgbClr val="000000">
-                      <a:alpha val="43137"/>
-                    </a:srgbClr>
-                  </a:outerShdw>
-                </a:effectLst>
-              </a:rPr>
-              <a:t>de Noviembre 18:30hs</a:t>
-            </a:r>
-          </a:p>
-          <a:p>
-            <a:endParaRPr lang="es-AR" dirty="0"/>
+              <a:t>Todos los miércoles vamos a comentar en grupo las respuestas de los temas que se enseñaron la semana anterior. </a:t>
+            </a:r>
           </a:p>
         </p:txBody>
       </p:sp>
     </p:spTree>
     <p:extLst>
       <p:ext uri="{BB962C8B-B14F-4D97-AF65-F5344CB8AC3E}">
-        <p14:creationId xmlns:p14="http://schemas.microsoft.com/office/powerpoint/2010/main" val="195969333"/>
+        <p14:creationId xmlns:p14="http://schemas.microsoft.com/office/powerpoint/2010/main" val="3333933275"/>
       </p:ext>
     </p:extLst>
   </p:cSld>
@@ -11018,7 +11352,7 @@
           <a:p>
             <a:r>
               <a:rPr lang="es-AR" dirty="0" smtClean="0"/>
-              <a:t>EXÁMENES FINALES</a:t>
+              <a:t>EXÁMENES PARCIALES</a:t>
             </a:r>
             <a:endParaRPr lang="es-AR" dirty="0"/>
           </a:p>
@@ -11034,16 +11368,9 @@
             <p:ph idx="1"/>
           </p:nvPr>
         </p:nvSpPr>
-        <p:spPr>
-          <a:xfrm>
-            <a:off x="680321" y="2336873"/>
-            <a:ext cx="9613861" cy="3739462"/>
-          </a:xfrm>
-        </p:spPr>
-        <p:txBody>
-          <a:bodyPr>
-            <a:normAutofit/>
-          </a:bodyPr>
+        <p:spPr/>
+        <p:txBody>
+          <a:bodyPr/>
           <a:lstStyle/>
           <a:p>
             <a:r>
@@ -11056,7 +11383,45 @@
                   </a:outerShdw>
                 </a:effectLst>
               </a:rPr>
-              <a:t>Programación II:</a:t>
+              <a:t>Fechas </a:t>
+            </a:r>
+            <a:r>
+              <a:rPr lang="es-AR" u="sng" dirty="0" smtClean="0">
+                <a:effectLst>
+                  <a:outerShdw blurRad="38100" dist="38100" dir="2700000" algn="tl">
+                    <a:srgbClr val="000000">
+                      <a:alpha val="43137"/>
+                    </a:srgbClr>
+                  </a:outerShdw>
+                </a:effectLst>
+              </a:rPr>
+              <a:t>tentativas</a:t>
+            </a:r>
+            <a:r>
+              <a:rPr lang="es-AR" dirty="0" smtClean="0">
+                <a:effectLst>
+                  <a:outerShdw blurRad="38100" dist="38100" dir="2700000" algn="tl">
+                    <a:srgbClr val="000000">
+                      <a:alpha val="43137"/>
+                    </a:srgbClr>
+                  </a:outerShdw>
+                </a:effectLst>
+              </a:rPr>
+              <a:t> de examen (podrán cambiar durante la cursada)</a:t>
+            </a:r>
+          </a:p>
+          <a:p>
+            <a:r>
+              <a:rPr lang="es-AR" dirty="0" smtClean="0">
+                <a:effectLst>
+                  <a:outerShdw blurRad="38100" dist="38100" dir="2700000" algn="tl">
+                    <a:srgbClr val="000000">
+                      <a:alpha val="43137"/>
+                    </a:srgbClr>
+                  </a:outerShdw>
+                </a:effectLst>
+              </a:rPr>
+              <a:t>Programación II</a:t>
             </a:r>
           </a:p>
           <a:p>
@@ -11071,86 +11436,10 @@
                   </a:outerShdw>
                 </a:effectLst>
               </a:rPr>
-              <a:t>Martes 10 y 17 de diciembre (válidas para </a:t>
-            </a:r>
-            <a:r>
-              <a:rPr lang="es-AR" dirty="0" err="1" smtClean="0">
-                <a:effectLst>
-                  <a:outerShdw blurRad="38100" dist="38100" dir="2700000" algn="tl">
-                    <a:srgbClr val="000000">
-                      <a:alpha val="43137"/>
-                    </a:srgbClr>
-                  </a:outerShdw>
-                </a:effectLst>
-              </a:rPr>
-              <a:t>recuperatorio</a:t>
-            </a:r>
-            <a:r>
-              <a:rPr lang="es-AR" dirty="0" smtClean="0">
-                <a:effectLst>
-                  <a:outerShdw blurRad="38100" dist="38100" dir="2700000" algn="tl">
-                    <a:srgbClr val="000000">
-                      <a:alpha val="43137"/>
-                    </a:srgbClr>
-                  </a:outerShdw>
-                </a:effectLst>
-              </a:rPr>
-              <a:t> de parciales)</a:t>
-            </a:r>
-          </a:p>
-          <a:p>
-            <a:pPr lvl="1"/>
-            <a:r>
-              <a:rPr lang="es-AR" dirty="0">
-                <a:effectLst>
-                  <a:outerShdw blurRad="38100" dist="38100" dir="2700000" algn="tl">
-                    <a:srgbClr val="000000">
-                      <a:alpha val="43137"/>
-                    </a:srgbClr>
-                  </a:outerShdw>
-                </a:effectLst>
-              </a:rPr>
-              <a:t>17 al 29 de </a:t>
-            </a:r>
-            <a:r>
-              <a:rPr lang="es-AR" dirty="0" smtClean="0">
-                <a:effectLst>
-                  <a:outerShdw blurRad="38100" dist="38100" dir="2700000" algn="tl">
-                    <a:srgbClr val="000000">
-                      <a:alpha val="43137"/>
-                    </a:srgbClr>
-                  </a:outerShdw>
-                </a:effectLst>
-              </a:rPr>
-              <a:t>Febrero (</a:t>
-            </a:r>
-            <a:r>
-              <a:rPr lang="es-AR" dirty="0">
-                <a:effectLst>
-                  <a:outerShdw blurRad="38100" dist="38100" dir="2700000" algn="tl">
-                    <a:srgbClr val="000000">
-                      <a:alpha val="43137"/>
-                    </a:srgbClr>
-                  </a:outerShdw>
-                </a:effectLst>
-              </a:rPr>
-              <a:t>sólo </a:t>
-            </a:r>
-            <a:r>
-              <a:rPr lang="es-AR" dirty="0" smtClean="0">
-                <a:effectLst>
-                  <a:outerShdw blurRad="38100" dist="38100" dir="2700000" algn="tl">
-                    <a:srgbClr val="000000">
-                      <a:alpha val="43137"/>
-                    </a:srgbClr>
-                  </a:outerShdw>
-                </a:effectLst>
-              </a:rPr>
-              <a:t>finales)</a:t>
-            </a:r>
-          </a:p>
-          <a:p>
-            <a:pPr lvl="1"/>
+              <a:t>Cursada día Miércoles: 9 de Octubre y 20 de Noviembre 18:30hs</a:t>
+            </a:r>
+          </a:p>
+          <a:p>
             <a:endParaRPr lang="es-AR" dirty="0" smtClean="0">
               <a:effectLst>
                 <a:outerShdw blurRad="38100" dist="38100" dir="2700000" algn="tl">
@@ -11172,7 +11461,7 @@
                   </a:outerShdw>
                 </a:effectLst>
               </a:rPr>
-              <a:t>Laboratorio II:</a:t>
+              <a:t>Laboratorio de Computación II:</a:t>
             </a:r>
           </a:p>
           <a:p>
@@ -11187,7 +11476,7 @@
                   </a:outerShdw>
                 </a:effectLst>
               </a:rPr>
-              <a:t>Jueves 12 y 19 de </a:t>
+              <a:t>Cursada día Martes: </a:t>
             </a:r>
             <a:r>
               <a:rPr lang="es-AR" dirty="0">
@@ -11199,7 +11488,7 @@
                   </a:outerShdw>
                 </a:effectLst>
               </a:rPr>
-              <a:t>diciembre (</a:t>
+              <a:t>8 de Octubre y 19 de Noviembre </a:t>
             </a:r>
             <a:r>
               <a:rPr lang="es-AR" dirty="0" smtClean="0">
@@ -11211,19 +11500,22 @@
                   </a:outerShdw>
                 </a:effectLst>
               </a:rPr>
-              <a:t>válidas para </a:t>
-            </a:r>
-            <a:r>
-              <a:rPr lang="es-AR" dirty="0" err="1">
-                <a:effectLst>
-                  <a:outerShdw blurRad="38100" dist="38100" dir="2700000" algn="tl">
-                    <a:srgbClr val="000000">
-                      <a:alpha val="43137"/>
-                    </a:srgbClr>
-                  </a:outerShdw>
-                </a:effectLst>
-              </a:rPr>
-              <a:t>recuperatorio</a:t>
+              <a:t>18:30hs</a:t>
+            </a:r>
+          </a:p>
+          <a:p>
+            <a:pPr lvl="1"/>
+            <a:r>
+              <a:rPr lang="es-AR" dirty="0" smtClean="0">
+                <a:effectLst>
+                  <a:outerShdw blurRad="38100" dist="38100" dir="2700000" algn="tl">
+                    <a:srgbClr val="000000">
+                      <a:alpha val="43137"/>
+                    </a:srgbClr>
+                  </a:outerShdw>
+                </a:effectLst>
+              </a:rPr>
+              <a:t>Cursada día Jueves: 10 </a:t>
             </a:r>
             <a:r>
               <a:rPr lang="es-AR" dirty="0">
@@ -11235,7 +11527,7 @@
                   </a:outerShdw>
                 </a:effectLst>
               </a:rPr>
-              <a:t> de </a:t>
+              <a:t>de Octubre y </a:t>
             </a:r>
             <a:r>
               <a:rPr lang="es-AR" dirty="0" smtClean="0">
@@ -11247,24 +11539,20 @@
                   </a:outerShdw>
                 </a:effectLst>
               </a:rPr>
-              <a:t>parciales)</a:t>
-            </a:r>
-          </a:p>
-          <a:p>
-            <a:pPr lvl="1"/>
-            <a:r>
-              <a:rPr lang="es-AR" dirty="0" smtClean="0">
-                <a:effectLst>
-                  <a:outerShdw blurRad="38100" dist="38100" dir="2700000" algn="tl">
-                    <a:srgbClr val="000000">
-                      <a:alpha val="43137"/>
-                    </a:srgbClr>
-                  </a:outerShdw>
-                </a:effectLst>
-              </a:rPr>
-              <a:t>17 al 29 de Febrero (sólo finales)</a:t>
-            </a:r>
-            <a:endParaRPr lang="es-AR" dirty="0"/>
+              <a:t>21 </a:t>
+            </a:r>
+            <a:r>
+              <a:rPr lang="es-AR" dirty="0">
+                <a:effectLst>
+                  <a:outerShdw blurRad="38100" dist="38100" dir="2700000" algn="tl">
+                    <a:srgbClr val="000000">
+                      <a:alpha val="43137"/>
+                    </a:srgbClr>
+                  </a:outerShdw>
+                </a:effectLst>
+              </a:rPr>
+              <a:t>de Noviembre 18:30hs</a:t>
+            </a:r>
           </a:p>
           <a:p>
             <a:endParaRPr lang="es-AR" dirty="0"/>
@@ -11274,7 +11562,7 @@
     </p:spTree>
     <p:extLst>
       <p:ext uri="{BB962C8B-B14F-4D97-AF65-F5344CB8AC3E}">
-        <p14:creationId xmlns:p14="http://schemas.microsoft.com/office/powerpoint/2010/main" val="3740102284"/>
+        <p14:creationId xmlns:p14="http://schemas.microsoft.com/office/powerpoint/2010/main" val="195969333"/>
       </p:ext>
     </p:extLst>
   </p:cSld>

--- a/PPTs/Programacion y Laboratorio II-201908.pptx
+++ b/PPTs/Programacion y Laboratorio II-201908.pptx
@@ -208,7 +208,7 @@
           <a:p>
             <a:fld id="{1E6648A2-EA33-47F9-96A0-CE144141342A}" type="datetimeFigureOut">
               <a:rPr lang="es-AR" smtClean="0"/>
-              <a:t>20/08/2019</a:t>
+              <a:t>21/08/2019</a:t>
             </a:fld>
             <a:endParaRPr lang="es-AR"/>
           </a:p>
@@ -776,52 +776,6 @@
           <a:bodyPr/>
           <a:lstStyle/>
           <a:p>
-            <a:r>
-              <a:rPr lang="es-AR" dirty="0" smtClean="0"/>
-              <a:t>Bordo – Curso Ingreso</a:t>
-            </a:r>
-          </a:p>
-          <a:p>
-            <a:r>
-              <a:rPr lang="es-AR" dirty="0" smtClean="0"/>
-              <a:t>Naranja</a:t>
-            </a:r>
-            <a:r>
-              <a:rPr lang="es-AR" baseline="0" dirty="0" smtClean="0"/>
-              <a:t> – Fin Primer Cuatrimestre</a:t>
-            </a:r>
-          </a:p>
-          <a:p>
-            <a:r>
-              <a:rPr lang="es-AR" baseline="0" dirty="0" smtClean="0"/>
-              <a:t>Rojo – Feriado</a:t>
-            </a:r>
-          </a:p>
-          <a:p>
-            <a:r>
-              <a:rPr lang="es-AR" baseline="0" dirty="0" smtClean="0"/>
-              <a:t>Violeta – Finales</a:t>
-            </a:r>
-          </a:p>
-          <a:p>
-            <a:r>
-              <a:rPr lang="es-AR" baseline="0" dirty="0" smtClean="0"/>
-              <a:t>Verde – Inicio inscripción materias</a:t>
-            </a:r>
-          </a:p>
-          <a:p>
-            <a:r>
-              <a:rPr lang="es-AR" baseline="0" dirty="0" smtClean="0"/>
-              <a:t>Fucsia – </a:t>
-            </a:r>
-            <a:r>
-              <a:rPr lang="es-AR" baseline="0" dirty="0" err="1" smtClean="0"/>
-              <a:t>Exámen</a:t>
-            </a:r>
-            <a:r>
-              <a:rPr lang="es-AR" baseline="0" dirty="0" smtClean="0"/>
-              <a:t> ingreso</a:t>
-            </a:r>
             <a:endParaRPr lang="es-AR" dirty="0"/>
           </a:p>
         </p:txBody>
@@ -1342,7 +1296,7 @@
           <a:p>
             <a:fld id="{78ABE3C1-DBE1-495D-B57B-2849774B866A}" type="datetimeFigureOut">
               <a:rPr lang="en-US" dirty="0"/>
-              <a:t>8/20/2019</a:t>
+              <a:t>8/21/2019</a:t>
             </a:fld>
             <a:endParaRPr lang="en-US" dirty="0"/>
           </a:p>
@@ -1751,7 +1705,7 @@
           <a:p>
             <a:fld id="{446C117F-5CCF-4837-BE5F-2B92066CAFAF}" type="datetimeFigureOut">
               <a:rPr lang="en-US" dirty="0"/>
-              <a:t>8/20/2019</a:t>
+              <a:t>8/21/2019</a:t>
             </a:fld>
             <a:endParaRPr lang="en-US" dirty="0"/>
           </a:p>
@@ -2082,7 +2036,7 @@
           <a:p>
             <a:fld id="{84EB90BD-B6CE-46B7-997F-7313B992CCDC}" type="datetimeFigureOut">
               <a:rPr lang="en-US" dirty="0"/>
-              <a:t>8/20/2019</a:t>
+              <a:t>8/21/2019</a:t>
             </a:fld>
             <a:endParaRPr lang="en-US" dirty="0"/>
           </a:p>
@@ -2482,7 +2436,7 @@
           <a:p>
             <a:fld id="{CDB9D11F-B188-461D-B23F-39381795C052}" type="datetimeFigureOut">
               <a:rPr lang="en-US" dirty="0"/>
-              <a:t>8/20/2019</a:t>
+              <a:t>8/21/2019</a:t>
             </a:fld>
             <a:endParaRPr lang="en-US" dirty="0"/>
           </a:p>
@@ -3045,7 +2999,7 @@
           <a:p>
             <a:fld id="{52E6D8D9-55A2-4063-B0F3-121F44549695}" type="datetimeFigureOut">
               <a:rPr lang="en-US" dirty="0"/>
-              <a:t>8/20/2019</a:t>
+              <a:t>8/21/2019</a:t>
             </a:fld>
             <a:endParaRPr lang="en-US" dirty="0"/>
           </a:p>
@@ -3721,7 +3675,7 @@
           <a:p>
             <a:fld id="{D4B24536-994D-4021-A283-9F449C0DB509}" type="datetimeFigureOut">
               <a:rPr lang="en-US" dirty="0"/>
-              <a:t>8/20/2019</a:t>
+              <a:t>8/21/2019</a:t>
             </a:fld>
             <a:endParaRPr lang="en-US" dirty="0"/>
           </a:p>
@@ -4629,7 +4583,7 @@
           <a:p>
             <a:fld id="{3CBBBB78-C96F-47B7-AB17-D852CA960AC9}" type="datetimeFigureOut">
               <a:rPr lang="en-US" dirty="0"/>
-              <a:t>8/20/2019</a:t>
+              <a:t>8/21/2019</a:t>
             </a:fld>
             <a:endParaRPr lang="en-US" dirty="0"/>
           </a:p>
@@ -4937,7 +4891,7 @@
           <a:p>
             <a:fld id="{1FA3F48C-C7C6-4055-9F49-3777875E72AE}" type="datetimeFigureOut">
               <a:rPr lang="en-US" dirty="0"/>
-              <a:t>8/20/2019</a:t>
+              <a:t>8/21/2019</a:t>
             </a:fld>
             <a:endParaRPr lang="en-US" dirty="0"/>
           </a:p>
@@ -5196,7 +5150,7 @@
           <a:p>
             <a:fld id="{6178E61D-D431-422C-9764-11DAFE33AB63}" type="datetimeFigureOut">
               <a:rPr lang="en-US" dirty="0"/>
-              <a:t>8/20/2019</a:t>
+              <a:t>8/21/2019</a:t>
             </a:fld>
             <a:endParaRPr lang="en-US" dirty="0"/>
           </a:p>
@@ -5515,7 +5469,7 @@
           <a:p>
             <a:fld id="{12DE42F4-6EEF-4EF7-8ED4-2208F0F89A08}" type="datetimeFigureOut">
               <a:rPr lang="en-US" dirty="0"/>
-              <a:t>8/20/2019</a:t>
+              <a:t>8/21/2019</a:t>
             </a:fld>
             <a:endParaRPr lang="en-US" dirty="0"/>
           </a:p>
@@ -5899,7 +5853,7 @@
           <a:p>
             <a:fld id="{30578ACC-22D6-47C1-A373-4FD133E34F3C}" type="datetimeFigureOut">
               <a:rPr lang="en-US" dirty="0"/>
-              <a:t>8/20/2019</a:t>
+              <a:t>8/21/2019</a:t>
             </a:fld>
             <a:endParaRPr lang="en-US" dirty="0"/>
           </a:p>
@@ -6270,7 +6224,7 @@
           <a:p>
             <a:fld id="{4E5A6C69-6797-4E8A-BF37-F2C3751466E9}" type="datetimeFigureOut">
               <a:rPr lang="en-US" dirty="0"/>
-              <a:t>8/20/2019</a:t>
+              <a:t>8/21/2019</a:t>
             </a:fld>
             <a:endParaRPr lang="en-US" dirty="0"/>
           </a:p>
@@ -6771,7 +6725,7 @@
           <a:p>
             <a:fld id="{D82014A1-A632-4878-A0D3-F52BA7563730}" type="datetimeFigureOut">
               <a:rPr lang="en-US" dirty="0"/>
-              <a:t>8/20/2019</a:t>
+              <a:t>8/21/2019</a:t>
             </a:fld>
             <a:endParaRPr lang="en-US" dirty="0"/>
           </a:p>
@@ -7023,7 +6977,7 @@
           <a:p>
             <a:fld id="{CE99F462-093F-4566-844B-4C71F2739DA5}" type="datetimeFigureOut">
               <a:rPr lang="en-US" dirty="0"/>
-              <a:t>8/20/2019</a:t>
+              <a:t>8/21/2019</a:t>
             </a:fld>
             <a:endParaRPr lang="en-US" dirty="0"/>
           </a:p>
@@ -7181,7 +7135,7 @@
           <a:p>
             <a:fld id="{3D24A7AC-904D-4781-85BA-7D10C17ED021}" type="datetimeFigureOut">
               <a:rPr lang="en-US" dirty="0"/>
-              <a:t>8/20/2019</a:t>
+              <a:t>8/21/2019</a:t>
             </a:fld>
             <a:endParaRPr lang="en-US" dirty="0"/>
           </a:p>
@@ -7566,7 +7520,7 @@
           <a:p>
             <a:fld id="{E331444B-B92B-4E27-8C94-BB93EAF5CB18}" type="datetimeFigureOut">
               <a:rPr lang="en-US" dirty="0"/>
-              <a:t>8/20/2019</a:t>
+              <a:t>8/21/2019</a:t>
             </a:fld>
             <a:endParaRPr lang="en-US" dirty="0"/>
           </a:p>
@@ -7970,7 +7924,7 @@
           <a:p>
             <a:fld id="{363EFA5E-FA76-400D-B3DC-F0BA90E6D107}" type="datetimeFigureOut">
               <a:rPr lang="en-US" dirty="0"/>
-              <a:t>8/20/2019</a:t>
+              <a:t>8/21/2019</a:t>
             </a:fld>
             <a:endParaRPr lang="en-US" dirty="0"/>
           </a:p>
@@ -8209,7 +8163,7 @@
           <a:p>
             <a:fld id="{9D6E9DEC-419B-4CC5-A080-3B06BD5A8291}" type="datetimeFigureOut">
               <a:rPr lang="en-US" dirty="0"/>
-              <a:t>8/20/2019</a:t>
+              <a:t>8/21/2019</a:t>
             </a:fld>
             <a:endParaRPr lang="en-US" dirty="0"/>
           </a:p>

--- a/PPTs/Programacion y Laboratorio II-201908.pptx
+++ b/PPTs/Programacion y Laboratorio II-201908.pptx
@@ -208,7 +208,7 @@
           <a:p>
             <a:fld id="{1E6648A2-EA33-47F9-96A0-CE144141342A}" type="datetimeFigureOut">
               <a:rPr lang="es-AR" smtClean="0"/>
-              <a:t>21/08/2019</a:t>
+              <a:t>27/08/2019</a:t>
             </a:fld>
             <a:endParaRPr lang="es-AR"/>
           </a:p>
@@ -1296,7 +1296,7 @@
           <a:p>
             <a:fld id="{78ABE3C1-DBE1-495D-B57B-2849774B866A}" type="datetimeFigureOut">
               <a:rPr lang="en-US" dirty="0"/>
-              <a:t>8/21/2019</a:t>
+              <a:t>8/27/2019</a:t>
             </a:fld>
             <a:endParaRPr lang="en-US" dirty="0"/>
           </a:p>
@@ -1705,7 +1705,7 @@
           <a:p>
             <a:fld id="{446C117F-5CCF-4837-BE5F-2B92066CAFAF}" type="datetimeFigureOut">
               <a:rPr lang="en-US" dirty="0"/>
-              <a:t>8/21/2019</a:t>
+              <a:t>8/27/2019</a:t>
             </a:fld>
             <a:endParaRPr lang="en-US" dirty="0"/>
           </a:p>
@@ -2036,7 +2036,7 @@
           <a:p>
             <a:fld id="{84EB90BD-B6CE-46B7-997F-7313B992CCDC}" type="datetimeFigureOut">
               <a:rPr lang="en-US" dirty="0"/>
-              <a:t>8/21/2019</a:t>
+              <a:t>8/27/2019</a:t>
             </a:fld>
             <a:endParaRPr lang="en-US" dirty="0"/>
           </a:p>
@@ -2436,7 +2436,7 @@
           <a:p>
             <a:fld id="{CDB9D11F-B188-461D-B23F-39381795C052}" type="datetimeFigureOut">
               <a:rPr lang="en-US" dirty="0"/>
-              <a:t>8/21/2019</a:t>
+              <a:t>8/27/2019</a:t>
             </a:fld>
             <a:endParaRPr lang="en-US" dirty="0"/>
           </a:p>
@@ -2999,7 +2999,7 @@
           <a:p>
             <a:fld id="{52E6D8D9-55A2-4063-B0F3-121F44549695}" type="datetimeFigureOut">
               <a:rPr lang="en-US" dirty="0"/>
-              <a:t>8/21/2019</a:t>
+              <a:t>8/27/2019</a:t>
             </a:fld>
             <a:endParaRPr lang="en-US" dirty="0"/>
           </a:p>
@@ -3675,7 +3675,7 @@
           <a:p>
             <a:fld id="{D4B24536-994D-4021-A283-9F449C0DB509}" type="datetimeFigureOut">
               <a:rPr lang="en-US" dirty="0"/>
-              <a:t>8/21/2019</a:t>
+              <a:t>8/27/2019</a:t>
             </a:fld>
             <a:endParaRPr lang="en-US" dirty="0"/>
           </a:p>
@@ -4583,7 +4583,7 @@
           <a:p>
             <a:fld id="{3CBBBB78-C96F-47B7-AB17-D852CA960AC9}" type="datetimeFigureOut">
               <a:rPr lang="en-US" dirty="0"/>
-              <a:t>8/21/2019</a:t>
+              <a:t>8/27/2019</a:t>
             </a:fld>
             <a:endParaRPr lang="en-US" dirty="0"/>
           </a:p>
@@ -4891,7 +4891,7 @@
           <a:p>
             <a:fld id="{1FA3F48C-C7C6-4055-9F49-3777875E72AE}" type="datetimeFigureOut">
               <a:rPr lang="en-US" dirty="0"/>
-              <a:t>8/21/2019</a:t>
+              <a:t>8/27/2019</a:t>
             </a:fld>
             <a:endParaRPr lang="en-US" dirty="0"/>
           </a:p>
@@ -5150,7 +5150,7 @@
           <a:p>
             <a:fld id="{6178E61D-D431-422C-9764-11DAFE33AB63}" type="datetimeFigureOut">
               <a:rPr lang="en-US" dirty="0"/>
-              <a:t>8/21/2019</a:t>
+              <a:t>8/27/2019</a:t>
             </a:fld>
             <a:endParaRPr lang="en-US" dirty="0"/>
           </a:p>
@@ -5469,7 +5469,7 @@
           <a:p>
             <a:fld id="{12DE42F4-6EEF-4EF7-8ED4-2208F0F89A08}" type="datetimeFigureOut">
               <a:rPr lang="en-US" dirty="0"/>
-              <a:t>8/21/2019</a:t>
+              <a:t>8/27/2019</a:t>
             </a:fld>
             <a:endParaRPr lang="en-US" dirty="0"/>
           </a:p>
@@ -5853,7 +5853,7 @@
           <a:p>
             <a:fld id="{30578ACC-22D6-47C1-A373-4FD133E34F3C}" type="datetimeFigureOut">
               <a:rPr lang="en-US" dirty="0"/>
-              <a:t>8/21/2019</a:t>
+              <a:t>8/27/2019</a:t>
             </a:fld>
             <a:endParaRPr lang="en-US" dirty="0"/>
           </a:p>
@@ -6224,7 +6224,7 @@
           <a:p>
             <a:fld id="{4E5A6C69-6797-4E8A-BF37-F2C3751466E9}" type="datetimeFigureOut">
               <a:rPr lang="en-US" dirty="0"/>
-              <a:t>8/21/2019</a:t>
+              <a:t>8/27/2019</a:t>
             </a:fld>
             <a:endParaRPr lang="en-US" dirty="0"/>
           </a:p>
@@ -6725,7 +6725,7 @@
           <a:p>
             <a:fld id="{D82014A1-A632-4878-A0D3-F52BA7563730}" type="datetimeFigureOut">
               <a:rPr lang="en-US" dirty="0"/>
-              <a:t>8/21/2019</a:t>
+              <a:t>8/27/2019</a:t>
             </a:fld>
             <a:endParaRPr lang="en-US" dirty="0"/>
           </a:p>
@@ -6977,7 +6977,7 @@
           <a:p>
             <a:fld id="{CE99F462-093F-4566-844B-4C71F2739DA5}" type="datetimeFigureOut">
               <a:rPr lang="en-US" dirty="0"/>
-              <a:t>8/21/2019</a:t>
+              <a:t>8/27/2019</a:t>
             </a:fld>
             <a:endParaRPr lang="en-US" dirty="0"/>
           </a:p>
@@ -7135,7 +7135,7 @@
           <a:p>
             <a:fld id="{3D24A7AC-904D-4781-85BA-7D10C17ED021}" type="datetimeFigureOut">
               <a:rPr lang="en-US" dirty="0"/>
-              <a:t>8/21/2019</a:t>
+              <a:t>8/27/2019</a:t>
             </a:fld>
             <a:endParaRPr lang="en-US" dirty="0"/>
           </a:p>
@@ -7520,7 +7520,7 @@
           <a:p>
             <a:fld id="{E331444B-B92B-4E27-8C94-BB93EAF5CB18}" type="datetimeFigureOut">
               <a:rPr lang="en-US" dirty="0"/>
-              <a:t>8/21/2019</a:t>
+              <a:t>8/27/2019</a:t>
             </a:fld>
             <a:endParaRPr lang="en-US" dirty="0"/>
           </a:p>
@@ -7924,7 +7924,7 @@
           <a:p>
             <a:fld id="{363EFA5E-FA76-400D-B3DC-F0BA90E6D107}" type="datetimeFigureOut">
               <a:rPr lang="en-US" dirty="0"/>
-              <a:t>8/21/2019</a:t>
+              <a:t>8/27/2019</a:t>
             </a:fld>
             <a:endParaRPr lang="en-US" dirty="0"/>
           </a:p>
@@ -8163,7 +8163,7 @@
           <a:p>
             <a:fld id="{9D6E9DEC-419B-4CC5-A080-3B06BD5A8291}" type="datetimeFigureOut">
               <a:rPr lang="en-US" dirty="0"/>
-              <a:t>8/21/2019</a:t>
+              <a:t>8/27/2019</a:t>
             </a:fld>
             <a:endParaRPr lang="en-US" dirty="0"/>
           </a:p>
@@ -9265,7 +9265,31 @@
                   </a:outerShdw>
                 </a:effectLst>
               </a:rPr>
-              <a:t>: 8 de diciembre 10 </a:t>
+              <a:t>: </a:t>
+            </a:r>
+            <a:r>
+              <a:rPr lang="es-AR" dirty="0" smtClean="0">
+                <a:effectLst>
+                  <a:outerShdw blurRad="38100" dist="38100" dir="2700000" algn="tl">
+                    <a:srgbClr val="000000">
+                      <a:alpha val="43137"/>
+                    </a:srgbClr>
+                  </a:outerShdw>
+                </a:effectLst>
+              </a:rPr>
+              <a:t>9 </a:t>
+            </a:r>
+            <a:r>
+              <a:rPr lang="es-AR" dirty="0" smtClean="0">
+                <a:effectLst>
+                  <a:outerShdw blurRad="38100" dist="38100" dir="2700000" algn="tl">
+                    <a:srgbClr val="000000">
+                      <a:alpha val="43137"/>
+                    </a:srgbClr>
+                  </a:outerShdw>
+                </a:effectLst>
+              </a:rPr>
+              <a:t>de diciembre 10 </a:t>
             </a:r>
             <a:r>
               <a:rPr lang="es-AR" dirty="0">
@@ -9315,7 +9339,7 @@
               <a:t>recuperatorio</a:t>
             </a:r>
             <a:r>
-              <a:rPr lang="es-AR" dirty="0">
+              <a:rPr lang="es-AR">
                 <a:effectLst>
                   <a:outerShdw blurRad="38100" dist="38100" dir="2700000" algn="tl">
                     <a:srgbClr val="000000">
@@ -9327,16 +9351,16 @@
               <a:t>: </a:t>
             </a:r>
             <a:r>
-              <a:rPr lang="es-AR" dirty="0" smtClean="0">
-                <a:effectLst>
-                  <a:outerShdw blurRad="38100" dist="38100" dir="2700000" algn="tl">
-                    <a:srgbClr val="000000">
-                      <a:alpha val="43137"/>
-                    </a:srgbClr>
-                  </a:outerShdw>
-                </a:effectLst>
-              </a:rPr>
-              <a:t>11 </a:t>
+              <a:rPr lang="es-AR" smtClean="0">
+                <a:effectLst>
+                  <a:outerShdw blurRad="38100" dist="38100" dir="2700000" algn="tl">
+                    <a:srgbClr val="000000">
+                      <a:alpha val="43137"/>
+                    </a:srgbClr>
+                  </a:outerShdw>
+                </a:effectLst>
+              </a:rPr>
+              <a:t>16 </a:t>
             </a:r>
             <a:r>
               <a:rPr lang="es-AR" dirty="0">
